--- a/presentations/Bài 24_CRUD.pptx
+++ b/presentations/Bài 24_CRUD.pptx
@@ -5,7 +5,7 @@
     <p:sldMasterId id="2147483659" r:id="rId1"/>
   </p:sldMasterIdLst>
   <p:notesMasterIdLst>
-    <p:notesMasterId r:id="rId23"/>
+    <p:notesMasterId r:id="rId24"/>
   </p:notesMasterIdLst>
   <p:sldIdLst>
     <p:sldId id="256" r:id="rId2"/>
@@ -29,6 +29,7 @@
     <p:sldId id="658" r:id="rId20"/>
     <p:sldId id="662" r:id="rId21"/>
     <p:sldId id="282" r:id="rId22"/>
+    <p:sldId id="346" r:id="rId23"/>
   </p:sldIdLst>
   <p:sldSz cx="9144000" cy="5143500" type="screen16x9"/>
   <p:notesSz cx="6858000" cy="9144000"/>
@@ -2375,7 +2376,7 @@
           <a:lstStyle/>
           <a:p>
             <a:r>
-              <a:rPr lang="en-US" smtClean="0"/>
+              <a:rPr lang="en-US"/>
               <a:t>Click to edit Master title style</a:t>
             </a:r>
             <a:endParaRPr lang="en-US" dirty="0"/>
@@ -2399,35 +2400,35 @@
           <a:p>
             <a:pPr lvl="0"/>
             <a:r>
-              <a:rPr lang="en-US" smtClean="0"/>
+              <a:rPr lang="en-US"/>
               <a:t>Edit Master text styles</a:t>
             </a:r>
           </a:p>
           <a:p>
             <a:pPr lvl="1"/>
             <a:r>
-              <a:rPr lang="en-US" smtClean="0"/>
+              <a:rPr lang="en-US"/>
               <a:t>Second level</a:t>
             </a:r>
           </a:p>
           <a:p>
             <a:pPr lvl="2"/>
             <a:r>
-              <a:rPr lang="en-US" smtClean="0"/>
+              <a:rPr lang="en-US"/>
               <a:t>Third level</a:t>
             </a:r>
           </a:p>
           <a:p>
             <a:pPr lvl="3"/>
             <a:r>
-              <a:rPr lang="en-US" smtClean="0"/>
+              <a:rPr lang="en-US"/>
               <a:t>Fourth level</a:t>
             </a:r>
           </a:p>
           <a:p>
             <a:pPr lvl="4"/>
             <a:r>
-              <a:rPr lang="en-US" smtClean="0"/>
+              <a:rPr lang="en-US"/>
               <a:t>Fifth level</a:t>
             </a:r>
             <a:endParaRPr lang="en-US" dirty="0"/>
@@ -2475,7 +2476,7 @@
               <a:pPr>
                 <a:defRPr/>
               </a:pPr>
-              <a:t>01/04/2023</a:t>
+              <a:t>4/12/2023</a:t>
             </a:fld>
             <a:endParaRPr lang="en-US">
               <a:solidFill>
@@ -2623,10 +2624,9 @@
           <a:lstStyle/>
           <a:p>
             <a:r>
-              <a:rPr lang="en-US" smtClean="0"/>
+              <a:rPr lang="en-US"/>
               <a:t>Click to edit Master title style</a:t>
             </a:r>
-            <a:endParaRPr lang="en-US"/>
           </a:p>
         </p:txBody>
       </p:sp>
@@ -2652,38 +2652,37 @@
           <a:p>
             <a:pPr lvl="0"/>
             <a:r>
-              <a:rPr lang="en-US" smtClean="0"/>
+              <a:rPr lang="en-US"/>
               <a:t>Click to edit Master text styles</a:t>
             </a:r>
           </a:p>
           <a:p>
             <a:pPr lvl="1"/>
             <a:r>
-              <a:rPr lang="en-US" smtClean="0"/>
+              <a:rPr lang="en-US"/>
               <a:t>Second level</a:t>
             </a:r>
           </a:p>
           <a:p>
             <a:pPr lvl="2"/>
             <a:r>
-              <a:rPr lang="en-US" smtClean="0"/>
+              <a:rPr lang="en-US"/>
               <a:t>Third level</a:t>
             </a:r>
           </a:p>
           <a:p>
             <a:pPr lvl="3"/>
             <a:r>
-              <a:rPr lang="en-US" smtClean="0"/>
+              <a:rPr lang="en-US"/>
               <a:t>Fourth level</a:t>
             </a:r>
           </a:p>
           <a:p>
             <a:pPr lvl="4"/>
             <a:r>
-              <a:rPr lang="en-US" smtClean="0"/>
+              <a:rPr lang="en-US"/>
               <a:t>Fifth level</a:t>
             </a:r>
-            <a:endParaRPr lang="en-US"/>
           </a:p>
         </p:txBody>
       </p:sp>
@@ -2709,38 +2708,37 @@
           <a:p>
             <a:pPr lvl="0"/>
             <a:r>
-              <a:rPr lang="en-US" smtClean="0"/>
+              <a:rPr lang="en-US"/>
               <a:t>Click to edit Master text styles</a:t>
             </a:r>
           </a:p>
           <a:p>
             <a:pPr lvl="1"/>
             <a:r>
-              <a:rPr lang="en-US" smtClean="0"/>
+              <a:rPr lang="en-US"/>
               <a:t>Second level</a:t>
             </a:r>
           </a:p>
           <a:p>
             <a:pPr lvl="2"/>
             <a:r>
-              <a:rPr lang="en-US" smtClean="0"/>
+              <a:rPr lang="en-US"/>
               <a:t>Third level</a:t>
             </a:r>
           </a:p>
           <a:p>
             <a:pPr lvl="3"/>
             <a:r>
-              <a:rPr lang="en-US" smtClean="0"/>
+              <a:rPr lang="en-US"/>
               <a:t>Fourth level</a:t>
             </a:r>
           </a:p>
           <a:p>
             <a:pPr lvl="4"/>
             <a:r>
-              <a:rPr lang="en-US" smtClean="0"/>
+              <a:rPr lang="en-US"/>
               <a:t>Fifth level</a:t>
             </a:r>
-            <a:endParaRPr lang="en-US"/>
           </a:p>
         </p:txBody>
       </p:sp>
@@ -2924,10 +2922,9 @@
           <a:lstStyle/>
           <a:p>
             <a:r>
-              <a:rPr lang="en-US" smtClean="0"/>
+              <a:rPr lang="en-US"/>
               <a:t>Click to edit Master title style</a:t>
             </a:r>
-            <a:endParaRPr lang="en-US"/>
           </a:p>
         </p:txBody>
       </p:sp>
@@ -2953,38 +2950,37 @@
           <a:p>
             <a:pPr lvl="0"/>
             <a:r>
-              <a:rPr lang="en-US" smtClean="0"/>
+              <a:rPr lang="en-US"/>
               <a:t>Click to edit Master text styles</a:t>
             </a:r>
           </a:p>
           <a:p>
             <a:pPr lvl="1"/>
             <a:r>
-              <a:rPr lang="en-US" smtClean="0"/>
+              <a:rPr lang="en-US"/>
               <a:t>Second level</a:t>
             </a:r>
           </a:p>
           <a:p>
             <a:pPr lvl="2"/>
             <a:r>
-              <a:rPr lang="en-US" smtClean="0"/>
+              <a:rPr lang="en-US"/>
               <a:t>Third level</a:t>
             </a:r>
           </a:p>
           <a:p>
             <a:pPr lvl="3"/>
             <a:r>
-              <a:rPr lang="en-US" smtClean="0"/>
+              <a:rPr lang="en-US"/>
               <a:t>Fourth level</a:t>
             </a:r>
           </a:p>
           <a:p>
             <a:pPr lvl="4"/>
             <a:r>
-              <a:rPr lang="en-US" smtClean="0"/>
+              <a:rPr lang="en-US"/>
               <a:t>Fifth level</a:t>
             </a:r>
-            <a:endParaRPr lang="en-US"/>
           </a:p>
         </p:txBody>
       </p:sp>
@@ -3010,38 +3006,37 @@
           <a:p>
             <a:pPr lvl="0"/>
             <a:r>
-              <a:rPr lang="en-US" smtClean="0"/>
+              <a:rPr lang="en-US"/>
               <a:t>Click to edit Master text styles</a:t>
             </a:r>
           </a:p>
           <a:p>
             <a:pPr lvl="1"/>
             <a:r>
-              <a:rPr lang="en-US" smtClean="0"/>
+              <a:rPr lang="en-US"/>
               <a:t>Second level</a:t>
             </a:r>
           </a:p>
           <a:p>
             <a:pPr lvl="2"/>
             <a:r>
-              <a:rPr lang="en-US" smtClean="0"/>
+              <a:rPr lang="en-US"/>
               <a:t>Third level</a:t>
             </a:r>
           </a:p>
           <a:p>
             <a:pPr lvl="3"/>
             <a:r>
-              <a:rPr lang="en-US" smtClean="0"/>
+              <a:rPr lang="en-US"/>
               <a:t>Fourth level</a:t>
             </a:r>
           </a:p>
           <a:p>
             <a:pPr lvl="4"/>
             <a:r>
-              <a:rPr lang="en-US" smtClean="0"/>
+              <a:rPr lang="en-US"/>
               <a:t>Fifth level</a:t>
             </a:r>
-            <a:endParaRPr lang="en-US"/>
           </a:p>
         </p:txBody>
       </p:sp>
@@ -3067,38 +3062,37 @@
           <a:p>
             <a:pPr lvl="0"/>
             <a:r>
-              <a:rPr lang="en-US" smtClean="0"/>
+              <a:rPr lang="en-US"/>
               <a:t>Click to edit Master text styles</a:t>
             </a:r>
           </a:p>
           <a:p>
             <a:pPr lvl="1"/>
             <a:r>
-              <a:rPr lang="en-US" smtClean="0"/>
+              <a:rPr lang="en-US"/>
               <a:t>Second level</a:t>
             </a:r>
           </a:p>
           <a:p>
             <a:pPr lvl="2"/>
             <a:r>
-              <a:rPr lang="en-US" smtClean="0"/>
+              <a:rPr lang="en-US"/>
               <a:t>Third level</a:t>
             </a:r>
           </a:p>
           <a:p>
             <a:pPr lvl="3"/>
             <a:r>
-              <a:rPr lang="en-US" smtClean="0"/>
+              <a:rPr lang="en-US"/>
               <a:t>Fourth level</a:t>
             </a:r>
           </a:p>
           <a:p>
             <a:pPr lvl="4"/>
             <a:r>
-              <a:rPr lang="en-US" smtClean="0"/>
+              <a:rPr lang="en-US"/>
               <a:t>Fifth level</a:t>
             </a:r>
-            <a:endParaRPr lang="en-US"/>
           </a:p>
         </p:txBody>
       </p:sp>
@@ -7862,10 +7856,9 @@
           <a:p>
             <a:pPr lvl="0"/>
             <a:r>
-              <a:rPr lang="en-US" sz="4800" dirty="0" smtClean="0"/>
+              <a:rPr lang="en-US" sz="4800" dirty="0"/>
               <a:t>CRUD</a:t>
             </a:r>
-            <a:endParaRPr lang="en-US" sz="4800" dirty="0"/>
           </a:p>
         </p:txBody>
       </p:sp>
@@ -7905,11 +7898,7 @@
             </a:pPr>
             <a:r>
               <a:rPr lang="en" dirty="0"/>
-              <a:t>Khóa học </a:t>
-            </a:r>
-            <a:r>
-              <a:rPr lang="en" dirty="0" smtClean="0"/>
-              <a:t>Java</a:t>
+              <a:t>Khóa học Java</a:t>
             </a:r>
             <a:endParaRPr dirty="0"/>
           </a:p>
@@ -7957,7 +7946,7 @@
           </a:xfrm>
           <a:extLst>
             <a:ext uri="{FAA26D3D-D897-4be2-8F04-BA451C77F1D7}">
-              <ma14:placeholderFlag xmlns:ma14="http://schemas.microsoft.com/office/mac/drawingml/2011/main" xmlns="" val="1"/>
+              <ma14:placeholderFlag xmlns="" xmlns:ma14="http://schemas.microsoft.com/office/mac/drawingml/2011/main" val="1"/>
             </a:ext>
           </a:extLst>
         </p:spPr>
@@ -7968,10 +7957,9 @@
           <a:lstStyle/>
           <a:p>
             <a:r>
-              <a:rPr lang="en-US" altLang="en-US" sz="2200" dirty="0" smtClean="0"/>
+              <a:rPr lang="en-US" altLang="en-US" sz="2200" dirty="0"/>
               <a:t>CRUDREPOSITORY</a:t>
             </a:r>
-            <a:endParaRPr lang="en-US" altLang="en-US" sz="2200" dirty="0"/>
           </a:p>
         </p:txBody>
       </p:sp>
@@ -9298,13 +9286,6 @@
   <p:clrMapOvr>
     <a:masterClrMapping/>
   </p:clrMapOvr>
-  <p:timing>
-    <p:tnLst>
-      <p:par>
-        <p:cTn id="1" dur="indefinite" restart="never" nodeType="tmRoot"/>
-      </p:par>
-    </p:tnLst>
-  </p:timing>
 </p:sld>
 </file>
 
@@ -9342,7 +9323,7 @@
           </a:xfrm>
           <a:extLst>
             <a:ext uri="{FAA26D3D-D897-4be2-8F04-BA451C77F1D7}">
-              <ma14:placeholderFlag xmlns:ma14="http://schemas.microsoft.com/office/mac/drawingml/2011/main" xmlns="" val="1"/>
+              <ma14:placeholderFlag xmlns="" xmlns:ma14="http://schemas.microsoft.com/office/mac/drawingml/2011/main" val="1"/>
             </a:ext>
           </a:extLst>
         </p:spPr>
@@ -9353,27 +9334,27 @@
           <a:lstStyle/>
           <a:p>
             <a:r>
-              <a:rPr lang="en-US" altLang="en-US" sz="2200" dirty="0" smtClean="0"/>
+              <a:rPr lang="en-US" altLang="en-US" sz="2200" dirty="0"/>
               <a:t>SO </a:t>
             </a:r>
             <a:r>
-              <a:rPr lang="en-US" altLang="en-US" sz="2200" dirty="0" err="1" smtClean="0"/>
+              <a:rPr lang="en-US" altLang="en-US" sz="2200" dirty="0" err="1"/>
               <a:t>SÁNH</a:t>
             </a:r>
             <a:r>
-              <a:rPr lang="en-US" altLang="en-US" sz="2200" dirty="0" smtClean="0"/>
+              <a:rPr lang="en-US" altLang="en-US" sz="2200" dirty="0"/>
               <a:t> CRUDREPOSITORY </a:t>
             </a:r>
             <a:r>
-              <a:rPr lang="en-US" altLang="en-US" sz="2200" dirty="0" err="1" smtClean="0"/>
+              <a:rPr lang="en-US" altLang="en-US" sz="2200" dirty="0" err="1"/>
               <a:t>VÀ</a:t>
             </a:r>
             <a:r>
-              <a:rPr lang="en-US" altLang="en-US" sz="2200" dirty="0" smtClean="0"/>
+              <a:rPr lang="en-US" altLang="en-US" sz="2200" dirty="0"/>
               <a:t> </a:t>
             </a:r>
             <a:r>
-              <a:rPr lang="en-US" altLang="en-US" sz="2200" dirty="0" err="1" smtClean="0"/>
+              <a:rPr lang="en-US" altLang="en-US" sz="2200" dirty="0" err="1"/>
               <a:t>JPAREPOSITORY</a:t>
             </a:r>
             <a:endParaRPr lang="en-US" altLang="en-US" sz="2200" dirty="0"/>
@@ -9405,8 +9386,20 @@
                 <a:tableStyleId>{0660B408-B3CF-4A94-85FC-2B1E0A45F4A2}</a:tableStyleId>
               </a:tblPr>
               <a:tblGrid>
-                <a:gridCol w="4356100"/>
-                <a:gridCol w="4356100"/>
+                <a:gridCol w="4356100">
+                  <a:extLst>
+                    <a:ext uri="{9D8B030D-6E8A-4147-A177-3AD203B41FA5}">
+                      <a16:colId xmlns:a16="http://schemas.microsoft.com/office/drawing/2014/main" val="20000"/>
+                    </a:ext>
+                  </a:extLst>
+                </a:gridCol>
+                <a:gridCol w="4356100">
+                  <a:extLst>
+                    <a:ext uri="{9D8B030D-6E8A-4147-A177-3AD203B41FA5}">
+                      <a16:colId xmlns:a16="http://schemas.microsoft.com/office/drawing/2014/main" val="20001"/>
+                    </a:ext>
+                  </a:extLst>
+                </a:gridCol>
               </a:tblGrid>
               <a:tr h="459294">
                 <a:tc>
@@ -9467,6 +9460,11 @@
                   </a:txBody>
                   <a:tcPr marL="114300" marR="114300" marT="114300" marB="114300" anchor="ctr"/>
                 </a:tc>
+                <a:extLst>
+                  <a:ext uri="{0D108BD9-81ED-4DB2-BD59-A6C34878D82A}">
+                    <a16:rowId xmlns:a16="http://schemas.microsoft.com/office/drawing/2014/main" val="10000"/>
+                  </a:ext>
+                </a:extLst>
               </a:tr>
               <a:tr h="836703">
                 <a:tc>
@@ -9865,6 +9863,11 @@
                   </a:txBody>
                   <a:tcPr marL="76200" marR="76200" marT="76200" marB="76200" anchor="ctr"/>
                 </a:tc>
+                <a:extLst>
+                  <a:ext uri="{0D108BD9-81ED-4DB2-BD59-A6C34878D82A}">
+                    <a16:rowId xmlns:a16="http://schemas.microsoft.com/office/drawing/2014/main" val="10001"/>
+                  </a:ext>
+                </a:extLst>
               </a:tr>
               <a:tr h="500017">
                 <a:tc>
@@ -10110,6 +10113,11 @@
                   </a:txBody>
                   <a:tcPr marL="76200" marR="76200" marT="76200" marB="76200" anchor="ctr"/>
                 </a:tc>
+                <a:extLst>
+                  <a:ext uri="{0D108BD9-81ED-4DB2-BD59-A6C34878D82A}">
+                    <a16:rowId xmlns:a16="http://schemas.microsoft.com/office/drawing/2014/main" val="10002"/>
+                  </a:ext>
+                </a:extLst>
               </a:tr>
               <a:tr h="927012">
                 <a:tc>
@@ -10583,7 +10591,7 @@
                         <a:t>CrudRepository</a:t>
                       </a:r>
                       <a:r>
-                        <a:rPr lang="en-US" sz="1400" b="0" dirty="0" smtClean="0">
+                        <a:rPr lang="en-US" sz="1400" b="0" dirty="0">
                           <a:solidFill>
                             <a:schemeClr val="bg2">
                               <a:lumMod val="50000"/>
@@ -10593,18 +10601,15 @@
                         </a:rPr>
                         <a:t>.</a:t>
                       </a:r>
-                      <a:endParaRPr lang="en-US" sz="1400" b="0" dirty="0">
-                        <a:solidFill>
-                          <a:schemeClr val="bg2">
-                            <a:lumMod val="50000"/>
-                          </a:schemeClr>
-                        </a:solidFill>
-                        <a:effectLst/>
-                      </a:endParaRPr>
                     </a:p>
                   </a:txBody>
                   <a:tcPr marL="76200" marR="76200" marT="76200" marB="76200" anchor="ctr"/>
                 </a:tc>
+                <a:extLst>
+                  <a:ext uri="{0D108BD9-81ED-4DB2-BD59-A6C34878D82A}">
+                    <a16:rowId xmlns:a16="http://schemas.microsoft.com/office/drawing/2014/main" val="10003"/>
+                  </a:ext>
+                </a:extLst>
               </a:tr>
               <a:tr h="728155">
                 <a:tc>
@@ -11048,6 +11053,11 @@
                   </a:txBody>
                   <a:tcPr marL="76200" marR="76200" marT="76200" marB="76200" anchor="ctr"/>
                 </a:tc>
+                <a:extLst>
+                  <a:ext uri="{0D108BD9-81ED-4DB2-BD59-A6C34878D82A}">
+                    <a16:rowId xmlns:a16="http://schemas.microsoft.com/office/drawing/2014/main" val="10004"/>
+                  </a:ext>
+                </a:extLst>
               </a:tr>
             </a:tbl>
           </a:graphicData>
@@ -11063,13 +11073,6 @@
   <p:clrMapOvr>
     <a:masterClrMapping/>
   </p:clrMapOvr>
-  <p:timing>
-    <p:tnLst>
-      <p:par>
-        <p:cTn id="1" dur="indefinite" restart="never" nodeType="tmRoot"/>
-      </p:par>
-    </p:tnLst>
-  </p:timing>
 </p:sld>
 </file>
 
@@ -11107,7 +11110,7 @@
           </a:xfrm>
           <a:extLst>
             <a:ext uri="{FAA26D3D-D897-4be2-8F04-BA451C77F1D7}">
-              <ma14:placeholderFlag xmlns:ma14="http://schemas.microsoft.com/office/mac/drawingml/2011/main" xmlns="" val="1"/>
+              <ma14:placeholderFlag xmlns="" xmlns:ma14="http://schemas.microsoft.com/office/mac/drawingml/2011/main" val="1"/>
             </a:ext>
           </a:extLst>
         </p:spPr>
@@ -11118,10 +11121,9 @@
           <a:lstStyle/>
           <a:p>
             <a:r>
-              <a:rPr lang="en-US" altLang="en-US" sz="2200" dirty="0" smtClean="0"/>
+              <a:rPr lang="en-US" altLang="en-US" sz="2200" dirty="0"/>
               <a:t>CRUDREPOSITORY</a:t>
             </a:r>
-            <a:endParaRPr lang="en-US" altLang="en-US" sz="2200" dirty="0"/>
           </a:p>
         </p:txBody>
       </p:sp>
@@ -11152,15 +11154,15 @@
               </a:lnSpc>
             </a:pPr>
             <a:r>
-              <a:rPr lang="en-US" sz="2000" dirty="0" err="1" smtClean="0"/>
+              <a:rPr lang="en-US" sz="2000" dirty="0" err="1"/>
               <a:t>Cú</a:t>
             </a:r>
             <a:r>
-              <a:rPr lang="en-US" sz="2000" dirty="0" smtClean="0"/>
+              <a:rPr lang="en-US" sz="2000" dirty="0"/>
               <a:t> </a:t>
             </a:r>
             <a:r>
-              <a:rPr lang="en-US" sz="2000" dirty="0" err="1" smtClean="0"/>
+              <a:rPr lang="en-US" sz="2000" dirty="0" err="1"/>
               <a:t>pháp</a:t>
             </a:r>
             <a:endParaRPr lang="en-US" sz="2000" dirty="0"/>
@@ -11822,23 +11824,7 @@
                 <a:ea typeface="Times New Roman" panose="02020603050405020304" pitchFamily="18" charset="0"/>
                 <a:cs typeface="Times New Roman" panose="02020603050405020304" pitchFamily="18" charset="0"/>
               </a:rPr>
-              <a:t>&lt;Student, Integer</a:t>
-            </a:r>
-            <a:r>
-              <a:rPr lang="en-US" sz="1800" dirty="0" smtClean="0">
-                <a:latin typeface="Segoe UI" panose="020B0502040204020203" pitchFamily="34" charset="0"/>
-                <a:ea typeface="Times New Roman" panose="02020603050405020304" pitchFamily="18" charset="0"/>
-                <a:cs typeface="Times New Roman" panose="02020603050405020304" pitchFamily="18" charset="0"/>
-              </a:rPr>
-              <a:t>&gt;{</a:t>
-            </a:r>
-            <a:r>
-              <a:rPr lang="en-US" sz="1800" dirty="0">
-                <a:latin typeface="Segoe UI" panose="020B0502040204020203" pitchFamily="34" charset="0"/>
-                <a:ea typeface="Times New Roman" panose="02020603050405020304" pitchFamily="18" charset="0"/>
-                <a:cs typeface="Times New Roman" panose="02020603050405020304" pitchFamily="18" charset="0"/>
-              </a:rPr>
-              <a:t>  </a:t>
+              <a:t>&lt;Student, Integer&gt;{  </a:t>
             </a:r>
             <a:endParaRPr lang="en-US" sz="1600" dirty="0">
               <a:latin typeface="Calibri" panose="020F0502020204030204" pitchFamily="34" charset="0"/>
@@ -11879,13 +11865,6 @@
   <p:clrMapOvr>
     <a:masterClrMapping/>
   </p:clrMapOvr>
-  <p:timing>
-    <p:tnLst>
-      <p:par>
-        <p:cTn id="1" dur="indefinite" restart="never" nodeType="tmRoot"/>
-      </p:par>
-    </p:tnLst>
-  </p:timing>
 </p:sld>
 </file>
 
@@ -11923,7 +11902,7 @@
           </a:xfrm>
           <a:extLst>
             <a:ext uri="{FAA26D3D-D897-4be2-8F04-BA451C77F1D7}">
-              <ma14:placeholderFlag xmlns:ma14="http://schemas.microsoft.com/office/mac/drawingml/2011/main" xmlns="" val="1"/>
+              <ma14:placeholderFlag xmlns="" xmlns:ma14="http://schemas.microsoft.com/office/mac/drawingml/2011/main" val="1"/>
             </a:ext>
           </a:extLst>
         </p:spPr>
@@ -11934,19 +11913,19 @@
           <a:lstStyle/>
           <a:p>
             <a:r>
-              <a:rPr lang="en-US" altLang="en-US" sz="2200" dirty="0" smtClean="0"/>
+              <a:rPr lang="en-US" altLang="en-US" sz="2200" dirty="0"/>
               <a:t>GIAO </a:t>
             </a:r>
             <a:r>
-              <a:rPr lang="en-US" altLang="en-US" sz="2200" dirty="0" err="1" smtClean="0"/>
+              <a:rPr lang="en-US" altLang="en-US" sz="2200" dirty="0" err="1"/>
               <a:t>DIỆN</a:t>
             </a:r>
             <a:r>
-              <a:rPr lang="en-US" altLang="en-US" sz="2200" dirty="0" smtClean="0"/>
+              <a:rPr lang="en-US" altLang="en-US" sz="2200" dirty="0"/>
               <a:t> </a:t>
             </a:r>
             <a:r>
-              <a:rPr lang="en-US" altLang="en-US" sz="2200" dirty="0" err="1" smtClean="0"/>
+              <a:rPr lang="en-US" altLang="en-US" sz="2200" dirty="0" err="1"/>
               <a:t>CRUDREPOSITORY</a:t>
             </a:r>
             <a:endParaRPr lang="en-US" altLang="en-US" sz="2200" dirty="0"/>
@@ -12910,13 +12889,6 @@
   <p:clrMapOvr>
     <a:masterClrMapping/>
   </p:clrMapOvr>
-  <p:timing>
-    <p:tnLst>
-      <p:par>
-        <p:cTn id="1" dur="indefinite" restart="never" nodeType="tmRoot"/>
-      </p:par>
-    </p:tnLst>
-  </p:timing>
 </p:sld>
 </file>
 
@@ -12954,7 +12926,7 @@
           </a:xfrm>
           <a:extLst>
             <a:ext uri="{FAA26D3D-D897-4be2-8F04-BA451C77F1D7}">
-              <ma14:placeholderFlag xmlns:ma14="http://schemas.microsoft.com/office/mac/drawingml/2011/main" xmlns="" val="1"/>
+              <ma14:placeholderFlag xmlns="" xmlns:ma14="http://schemas.microsoft.com/office/mac/drawingml/2011/main" val="1"/>
             </a:ext>
           </a:extLst>
         </p:spPr>
@@ -12965,23 +12937,23 @@
           <a:lstStyle/>
           <a:p>
             <a:r>
-              <a:rPr lang="en-US" altLang="en-US" sz="2200" dirty="0" err="1" smtClean="0"/>
+              <a:rPr lang="en-US" altLang="en-US" sz="2200" dirty="0" err="1"/>
               <a:t>THAO</a:t>
             </a:r>
             <a:r>
-              <a:rPr lang="en-US" altLang="en-US" sz="2200" dirty="0" smtClean="0"/>
+              <a:rPr lang="en-US" altLang="en-US" sz="2200" dirty="0"/>
               <a:t> </a:t>
             </a:r>
             <a:r>
-              <a:rPr lang="en-US" altLang="en-US" sz="2200" dirty="0" err="1" smtClean="0"/>
+              <a:rPr lang="en-US" altLang="en-US" sz="2200" dirty="0" err="1"/>
               <a:t>TÁC</a:t>
             </a:r>
             <a:r>
-              <a:rPr lang="en-US" altLang="en-US" sz="2200" dirty="0" smtClean="0"/>
+              <a:rPr lang="en-US" altLang="en-US" sz="2200" dirty="0"/>
               <a:t> </a:t>
             </a:r>
             <a:r>
-              <a:rPr lang="en-US" altLang="en-US" sz="2200" dirty="0" err="1" smtClean="0"/>
+              <a:rPr lang="en-US" altLang="en-US" sz="2200" dirty="0" err="1"/>
               <a:t>ĐẾM</a:t>
             </a:r>
             <a:endParaRPr lang="en-US" altLang="en-US" sz="2200" dirty="0"/>
@@ -13018,7 +12990,7 @@
               </a:spcAft>
             </a:pPr>
             <a:r>
-              <a:rPr lang="en-US" sz="1600" dirty="0" err="1" smtClean="0">
+              <a:rPr lang="en-US" sz="1600" dirty="0" err="1">
                 <a:solidFill>
                   <a:srgbClr val="555555"/>
                 </a:solidFill>
@@ -13029,7 +13001,7 @@
               <a:t>Cú</a:t>
             </a:r>
             <a:r>
-              <a:rPr lang="en-US" sz="1600" dirty="0" smtClean="0">
+              <a:rPr lang="en-US" sz="1600" dirty="0">
                 <a:solidFill>
                   <a:srgbClr val="555555"/>
                 </a:solidFill>
@@ -13040,7 +13012,7 @@
               <a:t> </a:t>
             </a:r>
             <a:r>
-              <a:rPr lang="en-US" sz="1600" dirty="0" err="1" smtClean="0">
+              <a:rPr lang="en-US" sz="1600" dirty="0" err="1">
                 <a:solidFill>
                   <a:srgbClr val="555555"/>
                 </a:solidFill>
@@ -13114,7 +13086,7 @@
               <a:t>nghĩa</a:t>
             </a:r>
             <a:r>
-              <a:rPr lang="en-US" sz="1600" dirty="0" smtClean="0">
+              <a:rPr lang="en-US" sz="1600" dirty="0">
                 <a:solidFill>
                   <a:srgbClr val="555555"/>
                 </a:solidFill>
@@ -13125,7 +13097,7 @@
               <a:t>: </a:t>
             </a:r>
             <a:r>
-              <a:rPr lang="en-US" sz="1600" dirty="0" err="1" smtClean="0">
+              <a:rPr lang="en-US" sz="1600" dirty="0" err="1">
                 <a:solidFill>
                   <a:srgbClr val="555555"/>
                 </a:solidFill>
@@ -13136,7 +13108,7 @@
               <a:t>Đếm</a:t>
             </a:r>
             <a:r>
-              <a:rPr lang="en-US" sz="1600" dirty="0" smtClean="0">
+              <a:rPr lang="en-US" sz="1600" dirty="0">
                 <a:solidFill>
                   <a:srgbClr val="555555"/>
                 </a:solidFill>
@@ -13298,7 +13270,7 @@
               </a:spcAft>
             </a:pPr>
             <a:r>
-              <a:rPr lang="en-US" sz="1600" dirty="0" err="1" smtClean="0">
+              <a:rPr lang="en-US" sz="1600" dirty="0" err="1">
                 <a:solidFill>
                   <a:srgbClr val="555555"/>
                 </a:solidFill>
@@ -13309,7 +13281,7 @@
               <a:t>Ví</a:t>
             </a:r>
             <a:r>
-              <a:rPr lang="en-US" sz="1600" dirty="0" smtClean="0">
+              <a:rPr lang="en-US" sz="1600" dirty="0">
                 <a:solidFill>
                   <a:srgbClr val="555555"/>
                 </a:solidFill>
@@ -13320,7 +13292,7 @@
               <a:t> </a:t>
             </a:r>
             <a:r>
-              <a:rPr lang="en-US" sz="1600" dirty="0" err="1" smtClean="0">
+              <a:rPr lang="en-US" sz="1600" dirty="0" err="1">
                 <a:solidFill>
                   <a:srgbClr val="555555"/>
                 </a:solidFill>
@@ -13331,7 +13303,7 @@
               <a:t>dụ</a:t>
             </a:r>
             <a:r>
-              <a:rPr lang="en-US" sz="1600" dirty="0" smtClean="0">
+              <a:rPr lang="en-US" sz="1600" dirty="0">
                 <a:solidFill>
                   <a:srgbClr val="555555"/>
                 </a:solidFill>
@@ -13422,13 +13394,6 @@
   <p:clrMapOvr>
     <a:masterClrMapping/>
   </p:clrMapOvr>
-  <p:timing>
-    <p:tnLst>
-      <p:par>
-        <p:cTn id="1" dur="indefinite" restart="never" nodeType="tmRoot"/>
-      </p:par>
-    </p:tnLst>
-  </p:timing>
 </p:sld>
 </file>
 
@@ -13497,13 +13462,8 @@
             </a:r>
             <a:r>
               <a:rPr lang="en-US" dirty="0"/>
-              <a:t> (Update</a:t>
-            </a:r>
-            <a:r>
-              <a:rPr lang="en-US" dirty="0" smtClean="0"/>
-              <a:t>)</a:t>
-            </a:r>
-            <a:endParaRPr lang="en-US" dirty="0"/>
+              <a:t> (Update)</a:t>
+            </a:r>
           </a:p>
         </p:txBody>
       </p:sp>
@@ -13517,13 +13477,6 @@
   <p:clrMapOvr>
     <a:masterClrMapping/>
   </p:clrMapOvr>
-  <p:timing>
-    <p:tnLst>
-      <p:par>
-        <p:cTn id="1" dur="indefinite" restart="never" nodeType="tmRoot"/>
-      </p:par>
-    </p:tnLst>
-  </p:timing>
 </p:sld>
 </file>
 
@@ -13579,16 +13532,12 @@
               <a:t>CRUD </a:t>
             </a:r>
             <a:r>
-              <a:rPr lang="en-US" dirty="0" err="1" smtClean="0"/>
+              <a:rPr lang="en-US" dirty="0" err="1"/>
               <a:t>Xóa</a:t>
             </a:r>
             <a:r>
-              <a:rPr lang="en-US" dirty="0" smtClean="0"/>
-              <a:t> </a:t>
-            </a:r>
-            <a:r>
               <a:rPr lang="en-US" dirty="0"/>
-              <a:t>(Delete)</a:t>
+              <a:t> (Delete)</a:t>
             </a:r>
           </a:p>
         </p:txBody>
@@ -13603,13 +13552,6 @@
   <p:clrMapOvr>
     <a:masterClrMapping/>
   </p:clrMapOvr>
-  <p:timing>
-    <p:tnLst>
-      <p:par>
-        <p:cTn id="1" dur="indefinite" restart="never" nodeType="tmRoot"/>
-      </p:par>
-    </p:tnLst>
-  </p:timing>
 </p:sld>
 </file>
 
@@ -13689,13 +13631,6 @@
   <p:clrMapOvr>
     <a:masterClrMapping/>
   </p:clrMapOvr>
-  <p:timing>
-    <p:tnLst>
-      <p:par>
-        <p:cTn id="1" dur="indefinite" restart="never" nodeType="tmRoot"/>
-      </p:par>
-    </p:tnLst>
-  </p:timing>
 </p:sld>
 </file>
 
@@ -13799,13 +13734,6 @@
   <p:clrMapOvr>
     <a:masterClrMapping/>
   </p:clrMapOvr>
-  <p:timing>
-    <p:tnLst>
-      <p:par>
-        <p:cTn id="1" dur="indefinite" restart="never" nodeType="tmRoot"/>
-      </p:par>
-    </p:tnLst>
-  </p:timing>
 </p:sld>
 </file>
 
@@ -13889,13 +13817,6 @@
   <p:clrMapOvr>
     <a:masterClrMapping/>
   </p:clrMapOvr>
-  <p:timing>
-    <p:tnLst>
-      <p:par>
-        <p:cTn id="1" dur="indefinite" restart="never" nodeType="tmRoot"/>
-      </p:par>
-    </p:tnLst>
-  </p:timing>
 </p:sld>
 </file>
 
@@ -13950,7 +13871,7 @@
               </a:spcAft>
             </a:pPr>
             <a:r>
-              <a:rPr lang="en-US" dirty="0" smtClean="0">
+              <a:rPr lang="en-US" dirty="0">
                 <a:solidFill>
                   <a:schemeClr val="bg2">
                     <a:lumMod val="50000"/>
@@ -13960,7 +13881,7 @@
               <a:t>Hiểu </a:t>
             </a:r>
             <a:r>
-              <a:rPr lang="en-US" dirty="0" err="1" smtClean="0">
+              <a:rPr lang="en-US" dirty="0" err="1">
                 <a:solidFill>
                   <a:schemeClr val="bg2">
                     <a:lumMod val="50000"/>
@@ -13970,7 +13891,7 @@
               <a:t>về</a:t>
             </a:r>
             <a:r>
-              <a:rPr lang="en-US" dirty="0" smtClean="0">
+              <a:rPr lang="en-US" dirty="0">
                 <a:solidFill>
                   <a:schemeClr val="bg2">
                     <a:lumMod val="50000"/>
@@ -13990,7 +13911,7 @@
               </a:spcAft>
             </a:pPr>
             <a:r>
-              <a:rPr lang="en-US" dirty="0" err="1" smtClean="0">
+              <a:rPr lang="en-US" dirty="0" err="1">
                 <a:solidFill>
                   <a:schemeClr val="bg2">
                     <a:lumMod val="50000"/>
@@ -14000,7 +13921,7 @@
               <a:t>Biết</a:t>
             </a:r>
             <a:r>
-              <a:rPr lang="en-US" dirty="0" smtClean="0">
+              <a:rPr lang="en-US" dirty="0">
                 <a:solidFill>
                   <a:schemeClr val="bg2">
                     <a:lumMod val="50000"/>
@@ -14010,7 +13931,7 @@
               <a:t> cách </a:t>
             </a:r>
             <a:r>
-              <a:rPr lang="en-US" dirty="0" err="1" smtClean="0">
+              <a:rPr lang="en-US" dirty="0" err="1">
                 <a:solidFill>
                   <a:schemeClr val="bg2">
                     <a:lumMod val="50000"/>
@@ -14020,7 +13941,7 @@
               <a:t>thực</a:t>
             </a:r>
             <a:r>
-              <a:rPr lang="en-US" dirty="0" smtClean="0">
+              <a:rPr lang="en-US" dirty="0">
                 <a:solidFill>
                   <a:schemeClr val="bg2">
                     <a:lumMod val="50000"/>
@@ -14030,7 +13951,7 @@
               <a:t> </a:t>
             </a:r>
             <a:r>
-              <a:rPr lang="en-US" dirty="0" err="1" smtClean="0">
+              <a:rPr lang="en-US" dirty="0" err="1">
                 <a:solidFill>
                   <a:schemeClr val="bg2">
                     <a:lumMod val="50000"/>
@@ -14040,7 +13961,7 @@
               <a:t>hiện</a:t>
             </a:r>
             <a:r>
-              <a:rPr lang="en-US" dirty="0" smtClean="0">
+              <a:rPr lang="en-US" dirty="0">
                 <a:solidFill>
                   <a:schemeClr val="bg2">
                     <a:lumMod val="50000"/>
@@ -14050,7 +13971,7 @@
               <a:t> truy </a:t>
             </a:r>
             <a:r>
-              <a:rPr lang="en-US" dirty="0" err="1" smtClean="0">
+              <a:rPr lang="en-US" dirty="0" err="1">
                 <a:solidFill>
                   <a:schemeClr val="bg2">
                     <a:lumMod val="50000"/>
@@ -14060,7 +13981,7 @@
               <a:t>vấn</a:t>
             </a:r>
             <a:r>
-              <a:rPr lang="en-US" dirty="0" smtClean="0">
+              <a:rPr lang="en-US" dirty="0">
                 <a:solidFill>
                   <a:schemeClr val="bg2">
                     <a:lumMod val="50000"/>
@@ -14070,7 +13991,7 @@
               <a:t> </a:t>
             </a:r>
             <a:r>
-              <a:rPr lang="en-US" dirty="0" err="1" smtClean="0">
+              <a:rPr lang="en-US" dirty="0" err="1">
                 <a:solidFill>
                   <a:schemeClr val="bg2">
                     <a:lumMod val="50000"/>
@@ -14080,7 +14001,7 @@
               <a:t>cơ</a:t>
             </a:r>
             <a:r>
-              <a:rPr lang="en-US" dirty="0" smtClean="0">
+              <a:rPr lang="en-US" dirty="0">
                 <a:solidFill>
                   <a:schemeClr val="bg2">
                     <a:lumMod val="50000"/>
@@ -14090,7 +14011,7 @@
               <a:t> </a:t>
             </a:r>
             <a:r>
-              <a:rPr lang="en-US" dirty="0" err="1" smtClean="0">
+              <a:rPr lang="en-US" dirty="0" err="1">
                 <a:solidFill>
                   <a:schemeClr val="bg2">
                     <a:lumMod val="50000"/>
@@ -14100,7 +14021,7 @@
               <a:t>sở</a:t>
             </a:r>
             <a:r>
-              <a:rPr lang="en-US" dirty="0" smtClean="0">
+              <a:rPr lang="en-US" dirty="0">
                 <a:solidFill>
                   <a:schemeClr val="bg2">
                     <a:lumMod val="50000"/>
@@ -14110,7 +14031,7 @@
               <a:t> </a:t>
             </a:r>
             <a:r>
-              <a:rPr lang="en-US" dirty="0" err="1" smtClean="0">
+              <a:rPr lang="en-US" dirty="0" err="1">
                 <a:solidFill>
                   <a:schemeClr val="bg2">
                     <a:lumMod val="50000"/>
@@ -14120,7 +14041,7 @@
               <a:t>dữ</a:t>
             </a:r>
             <a:r>
-              <a:rPr lang="en-US" dirty="0" smtClean="0">
+              <a:rPr lang="en-US" dirty="0">
                 <a:solidFill>
                   <a:schemeClr val="bg2">
                     <a:lumMod val="50000"/>
@@ -14130,7 +14051,7 @@
               <a:t> </a:t>
             </a:r>
             <a:r>
-              <a:rPr lang="en-US" dirty="0" err="1" smtClean="0">
+              <a:rPr lang="en-US" dirty="0" err="1">
                 <a:solidFill>
                   <a:schemeClr val="bg2">
                     <a:lumMod val="50000"/>
@@ -14157,7 +14078,7 @@
               </a:spcAft>
             </a:pPr>
             <a:r>
-              <a:rPr lang="en-US" dirty="0" err="1" smtClean="0">
+              <a:rPr lang="en-US" dirty="0" err="1">
                 <a:solidFill>
                   <a:schemeClr val="bg2">
                     <a:lumMod val="50000"/>
@@ -14167,7 +14088,7 @@
               <a:t>Biết</a:t>
             </a:r>
             <a:r>
-              <a:rPr lang="en-US" dirty="0" smtClean="0">
+              <a:rPr lang="en-US" dirty="0">
                 <a:solidFill>
                   <a:schemeClr val="bg2">
                     <a:lumMod val="50000"/>
@@ -14177,7 +14098,7 @@
               <a:t> cách </a:t>
             </a:r>
             <a:r>
-              <a:rPr lang="en-US" dirty="0" err="1" smtClean="0">
+              <a:rPr lang="en-US" dirty="0" err="1">
                 <a:solidFill>
                   <a:schemeClr val="bg2">
                     <a:lumMod val="50000"/>
@@ -14187,7 +14108,7 @@
               <a:t>cập</a:t>
             </a:r>
             <a:r>
-              <a:rPr lang="en-US" dirty="0" smtClean="0">
+              <a:rPr lang="en-US" dirty="0">
                 <a:solidFill>
                   <a:schemeClr val="bg2">
                     <a:lumMod val="50000"/>
@@ -14197,7 +14118,7 @@
               <a:t> </a:t>
             </a:r>
             <a:r>
-              <a:rPr lang="en-US" dirty="0" err="1" smtClean="0">
+              <a:rPr lang="en-US" dirty="0" err="1">
                 <a:solidFill>
                   <a:schemeClr val="bg2">
                     <a:lumMod val="50000"/>
@@ -14207,7 +14128,7 @@
               <a:t>nhật</a:t>
             </a:r>
             <a:r>
-              <a:rPr lang="en-US" dirty="0" smtClean="0">
+              <a:rPr lang="en-US" dirty="0">
                 <a:solidFill>
                   <a:schemeClr val="bg2">
                     <a:lumMod val="50000"/>
@@ -14217,7 +14138,7 @@
               <a:t> </a:t>
             </a:r>
             <a:r>
-              <a:rPr lang="en-US" dirty="0" err="1" smtClean="0">
+              <a:rPr lang="en-US" dirty="0" err="1">
                 <a:solidFill>
                   <a:schemeClr val="bg2">
                     <a:lumMod val="50000"/>
@@ -14227,7 +14148,7 @@
               <a:t>dữ</a:t>
             </a:r>
             <a:r>
-              <a:rPr lang="en-US" dirty="0" smtClean="0">
+              <a:rPr lang="en-US" dirty="0">
                 <a:solidFill>
                   <a:schemeClr val="bg2">
                     <a:lumMod val="50000"/>
@@ -14237,7 +14158,7 @@
               <a:t> </a:t>
             </a:r>
             <a:r>
-              <a:rPr lang="en-US" dirty="0" err="1" smtClean="0">
+              <a:rPr lang="en-US" dirty="0" err="1">
                 <a:solidFill>
                   <a:schemeClr val="bg2">
                     <a:lumMod val="50000"/>
@@ -14264,7 +14185,7 @@
               </a:spcAft>
             </a:pPr>
             <a:r>
-              <a:rPr lang="en-US" dirty="0" err="1" smtClean="0">
+              <a:rPr lang="en-US" dirty="0" err="1">
                 <a:solidFill>
                   <a:schemeClr val="bg2">
                     <a:lumMod val="50000"/>
@@ -14274,7 +14195,7 @@
               <a:t>Biết</a:t>
             </a:r>
             <a:r>
-              <a:rPr lang="en-US" dirty="0" smtClean="0">
+              <a:rPr lang="en-US" dirty="0">
                 <a:solidFill>
                   <a:schemeClr val="bg2">
                     <a:lumMod val="50000"/>
@@ -14284,7 +14205,7 @@
               <a:t> cách </a:t>
             </a:r>
             <a:r>
-              <a:rPr lang="en-US" dirty="0" err="1" smtClean="0">
+              <a:rPr lang="en-US" dirty="0" err="1">
                 <a:solidFill>
                   <a:schemeClr val="bg2">
                     <a:lumMod val="50000"/>
@@ -14294,7 +14215,7 @@
               <a:t>xóa</a:t>
             </a:r>
             <a:r>
-              <a:rPr lang="en-US" dirty="0" smtClean="0">
+              <a:rPr lang="en-US" dirty="0">
                 <a:solidFill>
                   <a:schemeClr val="bg2">
                     <a:lumMod val="50000"/>
@@ -14304,7 +14225,7 @@
               <a:t> </a:t>
             </a:r>
             <a:r>
-              <a:rPr lang="en-US" dirty="0" err="1" smtClean="0">
+              <a:rPr lang="en-US" dirty="0" err="1">
                 <a:solidFill>
                   <a:schemeClr val="bg2">
                     <a:lumMod val="50000"/>
@@ -14314,7 +14235,7 @@
               <a:t>dữ</a:t>
             </a:r>
             <a:r>
-              <a:rPr lang="en-US" dirty="0" smtClean="0">
+              <a:rPr lang="en-US" dirty="0">
                 <a:solidFill>
                   <a:schemeClr val="bg2">
                     <a:lumMod val="50000"/>
@@ -14324,7 +14245,7 @@
               <a:t> </a:t>
             </a:r>
             <a:r>
-              <a:rPr lang="en-US" dirty="0" err="1" smtClean="0">
+              <a:rPr lang="en-US" dirty="0" err="1">
                 <a:solidFill>
                   <a:schemeClr val="bg2">
                     <a:lumMod val="50000"/>
@@ -14351,7 +14272,7 @@
               </a:spcAft>
             </a:pPr>
             <a:r>
-              <a:rPr lang="en-US" dirty="0" err="1" smtClean="0">
+              <a:rPr lang="en-US" dirty="0" err="1">
                 <a:solidFill>
                   <a:schemeClr val="bg2">
                     <a:lumMod val="50000"/>
@@ -14361,7 +14282,7 @@
               <a:t>Biết</a:t>
             </a:r>
             <a:r>
-              <a:rPr lang="en-US" dirty="0" smtClean="0">
+              <a:rPr lang="en-US" dirty="0">
                 <a:solidFill>
                   <a:schemeClr val="bg2">
                     <a:lumMod val="50000"/>
@@ -14371,7 +14292,7 @@
               <a:t> cách </a:t>
             </a:r>
             <a:r>
-              <a:rPr lang="en-US" dirty="0" err="1" smtClean="0">
+              <a:rPr lang="en-US" dirty="0" err="1">
                 <a:solidFill>
                   <a:schemeClr val="bg2">
                     <a:lumMod val="50000"/>
@@ -14381,7 +14302,7 @@
               <a:t>thêm</a:t>
             </a:r>
             <a:r>
-              <a:rPr lang="en-US" dirty="0" smtClean="0">
+              <a:rPr lang="en-US" dirty="0">
                 <a:solidFill>
                   <a:schemeClr val="bg2">
                     <a:lumMod val="50000"/>
@@ -14391,7 +14312,7 @@
               <a:t> </a:t>
             </a:r>
             <a:r>
-              <a:rPr lang="en-US" dirty="0" err="1" smtClean="0">
+              <a:rPr lang="en-US" dirty="0" err="1">
                 <a:solidFill>
                   <a:schemeClr val="bg2">
                     <a:lumMod val="50000"/>
@@ -14401,7 +14322,7 @@
               <a:t>dữ</a:t>
             </a:r>
             <a:r>
-              <a:rPr lang="en-US" dirty="0" smtClean="0">
+              <a:rPr lang="en-US" dirty="0">
                 <a:solidFill>
                   <a:schemeClr val="bg2">
                     <a:lumMod val="50000"/>
@@ -14411,7 +14332,7 @@
               <a:t> </a:t>
             </a:r>
             <a:r>
-              <a:rPr lang="en-US" dirty="0" err="1" smtClean="0">
+              <a:rPr lang="en-US" dirty="0" err="1">
                 <a:solidFill>
                   <a:schemeClr val="bg2">
                     <a:lumMod val="50000"/>
@@ -14420,7 +14341,7 @@
               </a:rPr>
               <a:t>liệu</a:t>
             </a:r>
-            <a:endParaRPr lang="en-US" dirty="0" smtClean="0">
+            <a:endParaRPr lang="en-US" dirty="0">
               <a:solidFill>
                 <a:schemeClr val="bg2">
                   <a:lumMod val="50000"/>
@@ -14438,7 +14359,7 @@
               </a:spcAft>
             </a:pPr>
             <a:r>
-              <a:rPr lang="en-US" dirty="0" err="1" smtClean="0">
+              <a:rPr lang="en-US" dirty="0" err="1">
                 <a:solidFill>
                   <a:schemeClr val="bg2">
                     <a:lumMod val="50000"/>
@@ -14448,7 +14369,7 @@
               <a:t>Biết</a:t>
             </a:r>
             <a:r>
-              <a:rPr lang="en-US" dirty="0" smtClean="0">
+              <a:rPr lang="en-US" dirty="0">
                 <a:solidFill>
                   <a:schemeClr val="bg2">
                     <a:lumMod val="50000"/>
@@ -14458,7 +14379,7 @@
               <a:t> cách </a:t>
             </a:r>
             <a:r>
-              <a:rPr lang="en-US" dirty="0" err="1" smtClean="0">
+              <a:rPr lang="en-US" dirty="0" err="1">
                 <a:solidFill>
                   <a:schemeClr val="bg2">
                     <a:lumMod val="50000"/>
@@ -14468,7 +14389,7 @@
               <a:t>xử</a:t>
             </a:r>
             <a:r>
-              <a:rPr lang="en-US" dirty="0" smtClean="0">
+              <a:rPr lang="en-US" dirty="0">
                 <a:solidFill>
                   <a:schemeClr val="bg2">
                     <a:lumMod val="50000"/>
@@ -14478,7 +14399,7 @@
               <a:t> </a:t>
             </a:r>
             <a:r>
-              <a:rPr lang="en-US" dirty="0" err="1" smtClean="0">
+              <a:rPr lang="en-US" dirty="0" err="1">
                 <a:solidFill>
                   <a:schemeClr val="bg2">
                     <a:lumMod val="50000"/>
@@ -14488,7 +14409,7 @@
               <a:t>lý</a:t>
             </a:r>
             <a:r>
-              <a:rPr lang="en-US" dirty="0" smtClean="0">
+              <a:rPr lang="en-US" dirty="0">
                 <a:solidFill>
                   <a:schemeClr val="bg2">
                     <a:lumMod val="50000"/>
@@ -14508,7 +14429,7 @@
               </a:spcAft>
             </a:pPr>
             <a:r>
-              <a:rPr lang="en-US" dirty="0" err="1" smtClean="0">
+              <a:rPr lang="en-US" dirty="0" err="1">
                 <a:solidFill>
                   <a:schemeClr val="bg2">
                     <a:lumMod val="50000"/>
@@ -14518,7 +14439,7 @@
               <a:t>Biết</a:t>
             </a:r>
             <a:r>
-              <a:rPr lang="en-US" dirty="0" smtClean="0">
+              <a:rPr lang="en-US" dirty="0">
                 <a:solidFill>
                   <a:schemeClr val="bg2">
                     <a:lumMod val="50000"/>
@@ -14528,7 +14449,7 @@
               <a:t> cách </a:t>
             </a:r>
             <a:r>
-              <a:rPr lang="en-US" dirty="0" err="1" smtClean="0">
+              <a:rPr lang="en-US" dirty="0" err="1">
                 <a:solidFill>
                   <a:schemeClr val="bg2">
                     <a:lumMod val="50000"/>
@@ -14538,104 +14459,184 @@
               <a:t>gọi</a:t>
             </a:r>
             <a:r>
-              <a:rPr lang="en-US" dirty="0" smtClean="0">
+              <a:rPr lang="en-US" dirty="0">
                 <a:solidFill>
                   <a:schemeClr val="bg2">
                     <a:lumMod val="50000"/>
                   </a:schemeClr>
                 </a:solidFill>
               </a:rPr>
-              <a:t> </a:t>
-            </a:r>
-            <a:r>
-              <a:rPr lang="en-US" dirty="0">
+              <a:t> API </a:t>
+            </a:r>
+            <a:r>
+              <a:rPr lang="en-US" dirty="0" err="1">
                 <a:solidFill>
                   <a:schemeClr val="bg2">
                     <a:lumMod val="50000"/>
                   </a:schemeClr>
                 </a:solidFill>
               </a:rPr>
-              <a:t>API </a:t>
-            </a:r>
-            <a:r>
-              <a:rPr lang="en-US" dirty="0" err="1">
+              <a:t>của</a:t>
+            </a:r>
+            <a:r>
+              <a:rPr lang="en-US" dirty="0">
                 <a:solidFill>
                   <a:schemeClr val="bg2">
                     <a:lumMod val="50000"/>
                   </a:schemeClr>
                 </a:solidFill>
               </a:rPr>
-              <a:t>của</a:t>
-            </a:r>
-            <a:r>
-              <a:rPr lang="en-US" dirty="0">
+              <a:t> </a:t>
+            </a:r>
+            <a:r>
+              <a:rPr lang="en-US" dirty="0" err="1">
                 <a:solidFill>
                   <a:schemeClr val="bg2">
                     <a:lumMod val="50000"/>
                   </a:schemeClr>
                 </a:solidFill>
               </a:rPr>
-              <a:t> </a:t>
-            </a:r>
-            <a:r>
-              <a:rPr lang="en-US" dirty="0" err="1">
+              <a:t>bên</a:t>
+            </a:r>
+            <a:r>
+              <a:rPr lang="en-US" dirty="0">
                 <a:solidFill>
                   <a:schemeClr val="bg2">
                     <a:lumMod val="50000"/>
                   </a:schemeClr>
                 </a:solidFill>
               </a:rPr>
-              <a:t>bên</a:t>
-            </a:r>
-            <a:r>
-              <a:rPr lang="en-US" dirty="0">
+              <a:t> </a:t>
+            </a:r>
+            <a:r>
+              <a:rPr lang="en-US" dirty="0" err="1">
                 <a:solidFill>
                   <a:schemeClr val="bg2">
                     <a:lumMod val="50000"/>
                   </a:schemeClr>
                 </a:solidFill>
               </a:rPr>
-              <a:t> </a:t>
-            </a:r>
-            <a:r>
-              <a:rPr lang="en-US" dirty="0" err="1">
+              <a:t>thứ</a:t>
+            </a:r>
+            <a:r>
+              <a:rPr lang="en-US" dirty="0">
                 <a:solidFill>
                   <a:schemeClr val="bg2">
                     <a:lumMod val="50000"/>
                   </a:schemeClr>
                 </a:solidFill>
               </a:rPr>
-              <a:t>thứ</a:t>
-            </a:r>
-            <a:r>
-              <a:rPr lang="en-US" dirty="0">
+              <a:t> </a:t>
+            </a:r>
+            <a:r>
+              <a:rPr lang="en-US" dirty="0" err="1">
                 <a:solidFill>
                   <a:schemeClr val="bg2">
                     <a:lumMod val="50000"/>
                   </a:schemeClr>
                 </a:solidFill>
               </a:rPr>
-              <a:t> </a:t>
-            </a:r>
-            <a:r>
-              <a:rPr lang="en-US" dirty="0" err="1">
+              <a:t>ba</a:t>
+            </a:r>
+            <a:r>
+              <a:rPr lang="en-US" dirty="0">
                 <a:solidFill>
                   <a:schemeClr val="bg2">
                     <a:lumMod val="50000"/>
                   </a:schemeClr>
                 </a:solidFill>
               </a:rPr>
-              <a:t>ba</a:t>
-            </a:r>
-            <a:r>
-              <a:rPr lang="en-US" dirty="0">
+              <a:t> </a:t>
+            </a:r>
+          </a:p>
+          <a:p>
+            <a:pPr>
+              <a:spcBef>
+                <a:spcPts val="600"/>
+              </a:spcBef>
+              <a:spcAft>
+                <a:spcPts val="600"/>
+              </a:spcAft>
+            </a:pPr>
+            <a:r>
+              <a:rPr lang="en-US" dirty="0" err="1">
                 <a:solidFill>
                   <a:schemeClr val="bg2">
                     <a:lumMod val="50000"/>
                   </a:schemeClr>
                 </a:solidFill>
               </a:rPr>
+              <a:t>Biết</a:t>
+            </a:r>
+            <a:r>
+              <a:rPr lang="en-US" dirty="0">
+                <a:solidFill>
+                  <a:schemeClr val="bg2">
+                    <a:lumMod val="50000"/>
+                  </a:schemeClr>
+                </a:solidFill>
+              </a:rPr>
+              <a:t> cách </a:t>
+            </a:r>
+            <a:r>
+              <a:rPr lang="en-US" dirty="0" err="1">
+                <a:solidFill>
+                  <a:schemeClr val="bg2">
+                    <a:lumMod val="50000"/>
+                  </a:schemeClr>
+                </a:solidFill>
+              </a:rPr>
+              <a:t>xử</a:t>
+            </a:r>
+            <a:r>
+              <a:rPr lang="en-US" dirty="0">
+                <a:solidFill>
+                  <a:schemeClr val="bg2">
+                    <a:lumMod val="50000"/>
+                  </a:schemeClr>
+                </a:solidFill>
+              </a:rPr>
               <a:t> </a:t>
+            </a:r>
+            <a:r>
+              <a:rPr lang="en-US" dirty="0" err="1">
+                <a:solidFill>
+                  <a:schemeClr val="bg2">
+                    <a:lumMod val="50000"/>
+                  </a:schemeClr>
+                </a:solidFill>
+              </a:rPr>
+              <a:t>lý</a:t>
+            </a:r>
+            <a:r>
+              <a:rPr lang="en-US" dirty="0">
+                <a:solidFill>
+                  <a:schemeClr val="bg2">
+                    <a:lumMod val="50000"/>
+                  </a:schemeClr>
+                </a:solidFill>
+              </a:rPr>
+              <a:t> upload </a:t>
+            </a:r>
+            <a:r>
+              <a:rPr lang="en-US" dirty="0" err="1">
+                <a:solidFill>
+                  <a:schemeClr val="bg2">
+                    <a:lumMod val="50000"/>
+                  </a:schemeClr>
+                </a:solidFill>
+              </a:rPr>
+              <a:t>và</a:t>
+            </a:r>
+            <a:r>
+              <a:rPr lang="en-US" dirty="0">
+                <a:solidFill>
+                  <a:schemeClr val="bg2">
+                    <a:lumMod val="50000"/>
+                  </a:schemeClr>
+                </a:solidFill>
+              </a:rPr>
+              <a:t> download file </a:t>
             </a:r>
           </a:p>
           <a:p>
@@ -14647,97 +14648,7 @@
                 <a:spcPts val="600"/>
               </a:spcAft>
             </a:pPr>
-            <a:r>
-              <a:rPr lang="en-US" dirty="0" err="1" smtClean="0">
-                <a:solidFill>
-                  <a:schemeClr val="bg2">
-                    <a:lumMod val="50000"/>
-                  </a:schemeClr>
-                </a:solidFill>
-              </a:rPr>
-              <a:t>Biết</a:t>
-            </a:r>
-            <a:r>
-              <a:rPr lang="en-US" dirty="0" smtClean="0">
-                <a:solidFill>
-                  <a:schemeClr val="bg2">
-                    <a:lumMod val="50000"/>
-                  </a:schemeClr>
-                </a:solidFill>
-              </a:rPr>
-              <a:t> cách </a:t>
-            </a:r>
-            <a:r>
-              <a:rPr lang="en-US" dirty="0" err="1" smtClean="0">
-                <a:solidFill>
-                  <a:schemeClr val="bg2">
-                    <a:lumMod val="50000"/>
-                  </a:schemeClr>
-                </a:solidFill>
-              </a:rPr>
-              <a:t>xử</a:t>
-            </a:r>
-            <a:r>
-              <a:rPr lang="en-US" dirty="0" smtClean="0">
-                <a:solidFill>
-                  <a:schemeClr val="bg2">
-                    <a:lumMod val="50000"/>
-                  </a:schemeClr>
-                </a:solidFill>
-              </a:rPr>
-              <a:t> </a:t>
-            </a:r>
-            <a:r>
-              <a:rPr lang="en-US" dirty="0" err="1">
-                <a:solidFill>
-                  <a:schemeClr val="bg2">
-                    <a:lumMod val="50000"/>
-                  </a:schemeClr>
-                </a:solidFill>
-              </a:rPr>
-              <a:t>lý</a:t>
-            </a:r>
-            <a:r>
-              <a:rPr lang="en-US" dirty="0">
-                <a:solidFill>
-                  <a:schemeClr val="bg2">
-                    <a:lumMod val="50000"/>
-                  </a:schemeClr>
-                </a:solidFill>
-              </a:rPr>
-              <a:t> upload </a:t>
-            </a:r>
-            <a:r>
-              <a:rPr lang="en-US" dirty="0" err="1">
-                <a:solidFill>
-                  <a:schemeClr val="bg2">
-                    <a:lumMod val="50000"/>
-                  </a:schemeClr>
-                </a:solidFill>
-              </a:rPr>
-              <a:t>và</a:t>
-            </a:r>
-            <a:r>
-              <a:rPr lang="en-US" dirty="0">
-                <a:solidFill>
-                  <a:schemeClr val="bg2">
-                    <a:lumMod val="50000"/>
-                  </a:schemeClr>
-                </a:solidFill>
-              </a:rPr>
-              <a:t> download file </a:t>
-            </a:r>
-          </a:p>
-          <a:p>
-            <a:pPr>
-              <a:spcBef>
-                <a:spcPts val="600"/>
-              </a:spcBef>
-              <a:spcAft>
-                <a:spcPts val="600"/>
-              </a:spcAft>
-            </a:pPr>
-            <a:endParaRPr lang="en-US" dirty="0" smtClean="0">
+            <a:endParaRPr lang="en-US" dirty="0">
               <a:solidFill>
                 <a:schemeClr val="bg2">
                   <a:lumMod val="50000"/>
@@ -14754,7 +14665,7 @@
                 <a:spcPts val="600"/>
               </a:spcAft>
             </a:pPr>
-            <a:endParaRPr lang="en-US" dirty="0" smtClean="0">
+            <a:endParaRPr lang="en-US" dirty="0">
               <a:solidFill>
                 <a:schemeClr val="bg2">
                   <a:lumMod val="50000"/>
@@ -14865,7 +14776,7 @@
           </a:xfrm>
           <a:extLst>
             <a:ext uri="{FAA26D3D-D897-4be2-8F04-BA451C77F1D7}">
-              <ma14:placeholderFlag xmlns:ma14="http://schemas.microsoft.com/office/mac/drawingml/2011/main" xmlns="" val="1"/>
+              <ma14:placeholderFlag xmlns="" xmlns:ma14="http://schemas.microsoft.com/office/mac/drawingml/2011/main" val="1"/>
             </a:ext>
           </a:extLst>
         </p:spPr>
@@ -14876,19 +14787,19 @@
           <a:lstStyle/>
           <a:p>
             <a:r>
-              <a:rPr lang="en-US" altLang="en-US" sz="2200" dirty="0" smtClean="0"/>
+              <a:rPr lang="en-US" altLang="en-US" sz="2200" dirty="0"/>
               <a:t>MỘT </a:t>
             </a:r>
             <a:r>
-              <a:rPr lang="en-US" altLang="en-US" sz="2200" dirty="0" err="1" smtClean="0"/>
+              <a:rPr lang="en-US" altLang="en-US" sz="2200" dirty="0" err="1"/>
               <a:t>SỐ</a:t>
             </a:r>
             <a:r>
-              <a:rPr lang="en-US" altLang="en-US" sz="2200" dirty="0" smtClean="0"/>
+              <a:rPr lang="en-US" altLang="en-US" sz="2200" dirty="0"/>
               <a:t> KHÁI </a:t>
             </a:r>
             <a:r>
-              <a:rPr lang="en-US" altLang="en-US" sz="2200" dirty="0" err="1" smtClean="0"/>
+              <a:rPr lang="en-US" altLang="en-US" sz="2200" dirty="0" err="1"/>
               <a:t>NIỆM</a:t>
             </a:r>
             <a:endParaRPr lang="en-US" altLang="en-US" sz="2200" dirty="0"/>
@@ -14947,7 +14858,7 @@
               </a:rPr>
               <a:t>có khả năng </a:t>
             </a:r>
-            <a:endParaRPr lang="en-US" sz="1600" dirty="0" smtClean="0">
+            <a:endParaRPr lang="en-US" sz="1600" dirty="0">
               <a:solidFill>
                 <a:srgbClr val="343A40"/>
               </a:solidFill>
@@ -14968,7 +14879,7 @@
               </a:spcAft>
             </a:pPr>
             <a:r>
-              <a:rPr lang="en-US" sz="1600" dirty="0" smtClean="0">
+              <a:rPr lang="en-US" sz="1600" dirty="0">
                 <a:solidFill>
                   <a:srgbClr val="343A40"/>
                 </a:solidFill>
@@ -14978,7 +14889,7 @@
               <a:t>- </a:t>
             </a:r>
             <a:r>
-              <a:rPr lang="en-US" sz="1600" dirty="0" err="1" smtClean="0">
+              <a:rPr lang="en-US" sz="1600" dirty="0" err="1">
                 <a:solidFill>
                   <a:srgbClr val="343A40"/>
                 </a:solidFill>
@@ -14988,7 +14899,7 @@
               <a:t>Làm</a:t>
             </a:r>
             <a:r>
-              <a:rPr lang="en-US" sz="1600" dirty="0" smtClean="0">
+              <a:rPr lang="en-US" sz="1600" dirty="0">
                 <a:solidFill>
                   <a:srgbClr val="343A40"/>
                 </a:solidFill>
@@ -14998,7 +14909,7 @@
               <a:t> </a:t>
             </a:r>
             <a:r>
-              <a:rPr lang="en-US" sz="1600" dirty="0" err="1" smtClean="0">
+              <a:rPr lang="en-US" sz="1600" dirty="0" err="1">
                 <a:solidFill>
                   <a:srgbClr val="343A40"/>
                 </a:solidFill>
@@ -15008,7 +14919,7 @@
               <a:t>việc</a:t>
             </a:r>
             <a:r>
-              <a:rPr lang="en-US" sz="1600" dirty="0" smtClean="0">
+              <a:rPr lang="en-US" sz="1600" dirty="0">
                 <a:solidFill>
                   <a:srgbClr val="343A40"/>
                 </a:solidFill>
@@ -15018,7 +14929,7 @@
               <a:t> </a:t>
             </a:r>
             <a:r>
-              <a:rPr lang="en-US" sz="1600" dirty="0" err="1" smtClean="0">
+              <a:rPr lang="en-US" sz="1600" dirty="0" err="1">
                 <a:solidFill>
                   <a:srgbClr val="343A40"/>
                 </a:solidFill>
@@ -15028,7 +14939,7 @@
               <a:t>với</a:t>
             </a:r>
             <a:r>
-              <a:rPr lang="en-US" sz="1600" dirty="0" smtClean="0">
+              <a:rPr lang="en-US" sz="1600" dirty="0">
                 <a:solidFill>
                   <a:srgbClr val="343A40"/>
                 </a:solidFill>
@@ -15038,7 +14949,7 @@
               <a:t> </a:t>
             </a:r>
             <a:r>
-              <a:rPr lang="en-US" sz="1600" dirty="0" err="1" smtClean="0">
+              <a:rPr lang="en-US" sz="1600" dirty="0" err="1">
                 <a:solidFill>
                   <a:srgbClr val="343A40"/>
                 </a:solidFill>
@@ -15048,7 +14959,7 @@
               <a:t>các</a:t>
             </a:r>
             <a:r>
-              <a:rPr lang="en-US" sz="1600" dirty="0" smtClean="0">
+              <a:rPr lang="en-US" sz="1600" dirty="0">
                 <a:solidFill>
                   <a:srgbClr val="343A40"/>
                 </a:solidFill>
@@ -15058,7 +14969,7 @@
               <a:t> </a:t>
             </a:r>
             <a:r>
-              <a:rPr lang="en-US" sz="1600" dirty="0" err="1" smtClean="0">
+              <a:rPr lang="en-US" sz="1600" dirty="0" err="1">
                 <a:solidFill>
                   <a:srgbClr val="343A40"/>
                 </a:solidFill>
@@ -15068,7 +14979,7 @@
               <a:t>hệ</a:t>
             </a:r>
             <a:r>
-              <a:rPr lang="en-US" sz="1600" dirty="0" smtClean="0">
+              <a:rPr lang="en-US" sz="1600" dirty="0">
                 <a:solidFill>
                   <a:srgbClr val="343A40"/>
                 </a:solidFill>
@@ -15078,7 +14989,7 @@
               <a:t> </a:t>
             </a:r>
             <a:r>
-              <a:rPr lang="en-US" sz="1600" dirty="0" err="1" smtClean="0">
+              <a:rPr lang="en-US" sz="1600" dirty="0" err="1">
                 <a:solidFill>
                   <a:srgbClr val="343A40"/>
                 </a:solidFill>
@@ -15088,7 +14999,7 @@
               <a:t>quản</a:t>
             </a:r>
             <a:r>
-              <a:rPr lang="en-US" sz="1600" dirty="0" smtClean="0">
+              <a:rPr lang="en-US" sz="1600" dirty="0">
                 <a:solidFill>
                   <a:srgbClr val="343A40"/>
                 </a:solidFill>
@@ -15098,7 +15009,7 @@
               <a:t> </a:t>
             </a:r>
             <a:r>
-              <a:rPr lang="en-US" sz="1600" dirty="0" err="1" smtClean="0">
+              <a:rPr lang="en-US" sz="1600" dirty="0" err="1">
                 <a:solidFill>
                   <a:srgbClr val="343A40"/>
                 </a:solidFill>
@@ -15108,7 +15019,7 @@
               <a:t>trị</a:t>
             </a:r>
             <a:r>
-              <a:rPr lang="en-US" sz="1600" dirty="0" smtClean="0">
+              <a:rPr lang="en-US" sz="1600" dirty="0">
                 <a:solidFill>
                   <a:srgbClr val="343A40"/>
                 </a:solidFill>
@@ -15118,16 +15029,6 @@
               <a:t> </a:t>
             </a:r>
             <a:r>
-              <a:rPr lang="vi-VN" sz="1600" dirty="0" smtClean="0">
-                <a:solidFill>
-                  <a:srgbClr val="343A40"/>
-                </a:solidFill>
-                <a:latin typeface="Segoe UI" panose="020B0502040204020203" pitchFamily="34" charset="0"/>
-                <a:ea typeface="Times New Roman" panose="02020603050405020304" pitchFamily="18" charset="0"/>
-              </a:rPr>
-              <a:t>cơ </a:t>
-            </a:r>
-            <a:r>
               <a:rPr lang="vi-VN" sz="1600" dirty="0">
                 <a:solidFill>
                   <a:srgbClr val="343A40"/>
@@ -15135,17 +15036,7 @@
                 <a:latin typeface="Segoe UI" panose="020B0502040204020203" pitchFamily="34" charset="0"/>
                 <a:ea typeface="Times New Roman" panose="02020603050405020304" pitchFamily="18" charset="0"/>
               </a:rPr>
-              <a:t>sở dữ </a:t>
-            </a:r>
-            <a:r>
-              <a:rPr lang="vi-VN" sz="1600" dirty="0" smtClean="0">
-                <a:solidFill>
-                  <a:srgbClr val="343A40"/>
-                </a:solidFill>
-                <a:latin typeface="Segoe UI" panose="020B0502040204020203" pitchFamily="34" charset="0"/>
-                <a:ea typeface="Times New Roman" panose="02020603050405020304" pitchFamily="18" charset="0"/>
-              </a:rPr>
-              <a:t>liệu</a:t>
+              <a:t>cơ sở dữ liệu</a:t>
             </a:r>
             <a:r>
               <a:rPr lang="en-US" sz="1600" dirty="0">
@@ -15158,7 +15049,7 @@
               <a:t> </a:t>
             </a:r>
             <a:r>
-              <a:rPr lang="en-US" sz="1600" dirty="0" err="1" smtClean="0">
+              <a:rPr lang="en-US" sz="1600" dirty="0" err="1">
                 <a:solidFill>
                   <a:srgbClr val="343A40"/>
                 </a:solidFill>
@@ -15168,7 +15059,7 @@
               <a:t>như</a:t>
             </a:r>
             <a:r>
-              <a:rPr lang="en-US" sz="1600" dirty="0" smtClean="0">
+              <a:rPr lang="en-US" sz="1600" dirty="0">
                 <a:solidFill>
                   <a:srgbClr val="343A40"/>
                 </a:solidFill>
@@ -15178,16 +15069,6 @@
               <a:t> </a:t>
             </a:r>
             <a:r>
-              <a:rPr lang="vi-VN" sz="1600" dirty="0" smtClean="0">
-                <a:solidFill>
-                  <a:srgbClr val="343A40"/>
-                </a:solidFill>
-                <a:latin typeface="Segoe UI" panose="020B0502040204020203" pitchFamily="34" charset="0"/>
-                <a:ea typeface="Times New Roman" panose="02020603050405020304" pitchFamily="18" charset="0"/>
-              </a:rPr>
-              <a:t>SQL </a:t>
-            </a:r>
-            <a:r>
               <a:rPr lang="vi-VN" sz="1600" dirty="0">
                 <a:solidFill>
                   <a:srgbClr val="343A40"/>
@@ -15195,19 +15076,9 @@
                 <a:latin typeface="Segoe UI" panose="020B0502040204020203" pitchFamily="34" charset="0"/>
                 <a:ea typeface="Times New Roman" panose="02020603050405020304" pitchFamily="18" charset="0"/>
               </a:rPr>
-              <a:t>Server, MySQL, PostgreSQL, </a:t>
-            </a:r>
-            <a:r>
-              <a:rPr lang="vi-VN" sz="1600" dirty="0" smtClean="0">
-                <a:solidFill>
-                  <a:srgbClr val="343A40"/>
-                </a:solidFill>
-                <a:latin typeface="Segoe UI" panose="020B0502040204020203" pitchFamily="34" charset="0"/>
-                <a:ea typeface="Times New Roman" panose="02020603050405020304" pitchFamily="18" charset="0"/>
-              </a:rPr>
-              <a:t>… </a:t>
-            </a:r>
-            <a:endParaRPr lang="en-US" sz="1600" dirty="0" smtClean="0">
+              <a:t>SQL Server, MySQL, PostgreSQL, … </a:t>
+            </a:r>
+            <a:endParaRPr lang="en-US" sz="1600" dirty="0">
               <a:solidFill>
                 <a:srgbClr val="343A40"/>
               </a:solidFill>
@@ -15228,7 +15099,7 @@
               </a:spcAft>
             </a:pPr>
             <a:r>
-              <a:rPr lang="en-US" sz="1600" dirty="0" smtClean="0">
+              <a:rPr lang="en-US" sz="1600" dirty="0">
                 <a:solidFill>
                   <a:srgbClr val="343A40"/>
                 </a:solidFill>
@@ -15238,16 +15109,6 @@
               <a:t>- X</a:t>
             </a:r>
             <a:r>
-              <a:rPr lang="vi-VN" sz="1600" dirty="0" smtClean="0">
-                <a:solidFill>
-                  <a:srgbClr val="343A40"/>
-                </a:solidFill>
-                <a:latin typeface="Segoe UI" panose="020B0502040204020203" pitchFamily="34" charset="0"/>
-                <a:ea typeface="Times New Roman" panose="02020603050405020304" pitchFamily="18" charset="0"/>
-              </a:rPr>
-              <a:t>ử </a:t>
-            </a:r>
-            <a:r>
               <a:rPr lang="vi-VN" sz="1600" dirty="0">
                 <a:solidFill>
                   <a:srgbClr val="343A40"/>
@@ -15255,20 +15116,10 @@
                 <a:latin typeface="Segoe UI" panose="020B0502040204020203" pitchFamily="34" charset="0"/>
                 <a:ea typeface="Times New Roman" panose="02020603050405020304" pitchFamily="18" charset="0"/>
               </a:rPr>
-              <a:t>lý các thao </a:t>
-            </a:r>
-            <a:r>
-              <a:rPr lang="vi-VN" sz="1600" dirty="0" smtClean="0">
-                <a:solidFill>
-                  <a:srgbClr val="343A40"/>
-                </a:solidFill>
-                <a:latin typeface="Segoe UI" panose="020B0502040204020203" pitchFamily="34" charset="0"/>
-                <a:ea typeface="Times New Roman" panose="02020603050405020304" pitchFamily="18" charset="0"/>
-              </a:rPr>
-              <a:t>tác</a:t>
-            </a:r>
-            <a:r>
-              <a:rPr lang="en-US" sz="1600" dirty="0" smtClean="0">
+              <a:t>ử lý các thao tác</a:t>
+            </a:r>
+            <a:r>
+              <a:rPr lang="en-US" sz="1600" dirty="0">
                 <a:solidFill>
                   <a:srgbClr val="343A40"/>
                 </a:solidFill>
@@ -15278,16 +15129,6 @@
               <a:t> </a:t>
             </a:r>
             <a:r>
-              <a:rPr lang="vi-VN" sz="1600" dirty="0" smtClean="0">
-                <a:solidFill>
-                  <a:srgbClr val="343A40"/>
-                </a:solidFill>
-                <a:latin typeface="Segoe UI" panose="020B0502040204020203" pitchFamily="34" charset="0"/>
-                <a:ea typeface="Times New Roman" panose="02020603050405020304" pitchFamily="18" charset="0"/>
-              </a:rPr>
-              <a:t>INSERT</a:t>
-            </a:r>
-            <a:r>
               <a:rPr lang="vi-VN" sz="1600" dirty="0">
                 <a:solidFill>
                   <a:srgbClr val="343A40"/>
@@ -15295,17 +15136,7 @@
                 <a:latin typeface="Segoe UI" panose="020B0502040204020203" pitchFamily="34" charset="0"/>
                 <a:ea typeface="Times New Roman" panose="02020603050405020304" pitchFamily="18" charset="0"/>
               </a:rPr>
-              <a:t>, UPDATE, DELETE, SELECT, </a:t>
-            </a:r>
-            <a:r>
-              <a:rPr lang="vi-VN" sz="1600" dirty="0" smtClean="0">
-                <a:solidFill>
-                  <a:srgbClr val="343A40"/>
-                </a:solidFill>
-                <a:latin typeface="Segoe UI" panose="020B0502040204020203" pitchFamily="34" charset="0"/>
-                <a:ea typeface="Times New Roman" panose="02020603050405020304" pitchFamily="18" charset="0"/>
-              </a:rPr>
-              <a:t>…</a:t>
+              <a:t>INSERT, UPDATE, DELETE, SELECT, …</a:t>
             </a:r>
             <a:endParaRPr lang="en-US" sz="1600" dirty="0"/>
           </a:p>
@@ -15345,13 +15176,6 @@
   <p:clrMapOvr>
     <a:masterClrMapping/>
   </p:clrMapOvr>
-  <p:timing>
-    <p:tnLst>
-      <p:par>
-        <p:cTn id="1" dur="indefinite" restart="never" nodeType="tmRoot"/>
-      </p:par>
-    </p:tnLst>
-  </p:timing>
 </p:sld>
 </file>
 
@@ -15450,11 +15274,7 @@
             </a:pPr>
             <a:r>
               <a:rPr lang="en" dirty="0"/>
-              <a:t>Bài học đề cập tới</a:t>
-            </a:r>
-            <a:r>
-              <a:rPr lang="en" dirty="0" smtClean="0"/>
-              <a:t>:</a:t>
+              <a:t>Bài học đề cập tới:</a:t>
             </a:r>
           </a:p>
           <a:p>
@@ -15472,14 +15292,14 @@
           <a:p>
             <a:pPr lvl="0"/>
             <a:r>
-              <a:rPr lang="en-US" dirty="0" smtClean="0"/>
+              <a:rPr lang="en-US" dirty="0"/>
               <a:t>CRUD </a:t>
             </a:r>
             <a:r>
               <a:rPr lang="en-US" dirty="0" err="1"/>
               <a:t>Starter_Read_Search</a:t>
             </a:r>
-            <a:endParaRPr lang="en-US" dirty="0" smtClean="0"/>
+            <a:endParaRPr lang="en-US" dirty="0"/>
           </a:p>
           <a:p>
             <a:pPr lvl="0"/>
@@ -15517,38 +15337,26 @@
             </a:r>
             <a:r>
               <a:rPr lang="en-US" dirty="0"/>
-              <a:t> (Delete</a:t>
-            </a:r>
-            <a:r>
-              <a:rPr lang="en-US" dirty="0" smtClean="0"/>
-              <a:t>)</a:t>
+              <a:t> (Delete)</a:t>
             </a:r>
           </a:p>
           <a:p>
             <a:pPr lvl="0"/>
             <a:r>
               <a:rPr lang="vi-VN" dirty="0"/>
-              <a:t>Kiểm tra (Validation</a:t>
-            </a:r>
-            <a:r>
-              <a:rPr lang="vi-VN" dirty="0" smtClean="0"/>
-              <a:t>)</a:t>
-            </a:r>
-            <a:endParaRPr lang="en-US" dirty="0" smtClean="0"/>
+              <a:t>Kiểm tra (Validation)</a:t>
+            </a:r>
+            <a:endParaRPr lang="en-US" dirty="0"/>
           </a:p>
           <a:p>
             <a:pPr lvl="0"/>
             <a:r>
-              <a:rPr lang="en-US" dirty="0" err="1" smtClean="0"/>
+              <a:rPr lang="en-US" dirty="0" err="1"/>
               <a:t>Gọi</a:t>
             </a:r>
             <a:r>
-              <a:rPr lang="en-US" dirty="0" smtClean="0"/>
-              <a:t> </a:t>
-            </a:r>
-            <a:r>
               <a:rPr lang="en-US" dirty="0"/>
-              <a:t>API </a:t>
+              <a:t> API </a:t>
             </a:r>
             <a:r>
               <a:rPr lang="en-US" dirty="0" err="1"/>
@@ -15582,12 +15390,11 @@
               <a:rPr lang="en-US" dirty="0"/>
               <a:t> </a:t>
             </a:r>
-            <a:endParaRPr lang="en-US" dirty="0" smtClean="0"/>
           </a:p>
           <a:p>
             <a:pPr lvl="0"/>
             <a:r>
-              <a:rPr lang="en-US" dirty="0" smtClean="0"/>
+              <a:rPr lang="en-US" dirty="0"/>
               <a:t>Xử </a:t>
             </a:r>
             <a:r>
@@ -15599,16 +15406,12 @@
               <a:t> upload </a:t>
             </a:r>
             <a:r>
-              <a:rPr lang="en-US" dirty="0" err="1" smtClean="0"/>
+              <a:rPr lang="en-US" dirty="0" err="1"/>
               <a:t>và</a:t>
             </a:r>
             <a:r>
-              <a:rPr lang="en-US" dirty="0" smtClean="0"/>
-              <a:t> download </a:t>
-            </a:r>
-            <a:r>
               <a:rPr lang="en-US" dirty="0"/>
-              <a:t>file </a:t>
+              <a:t> download file </a:t>
             </a:r>
           </a:p>
         </p:txBody>
@@ -15618,13 +15421,110 @@
   <p:clrMapOvr>
     <a:masterClrMapping/>
   </p:clrMapOvr>
-  <p:timing>
-    <p:tnLst>
-      <p:par>
-        <p:cTn id="1" dur="indefinite" restart="never" nodeType="tmRoot"/>
-      </p:par>
-    </p:tnLst>
-  </p:timing>
+</p:sld>
+</file>
+
+<file path=ppt/slides/slide22.xml><?xml version="1.0" encoding="utf-8"?>
+<p:sld xmlns:a="http://schemas.openxmlformats.org/drawingml/2006/main" xmlns:r="http://schemas.openxmlformats.org/officeDocument/2006/relationships" xmlns:p="http://schemas.openxmlformats.org/presentationml/2006/main">
+  <p:cSld>
+    <p:spTree>
+      <p:nvGrpSpPr>
+        <p:cNvPr id="1" name=""/>
+        <p:cNvGrpSpPr/>
+        <p:nvPr/>
+      </p:nvGrpSpPr>
+      <p:grpSpPr>
+        <a:xfrm>
+          <a:off x="0" y="0"/>
+          <a:ext cx="0" cy="0"/>
+          <a:chOff x="0" y="0"/>
+          <a:chExt cx="0" cy="0"/>
+        </a:xfrm>
+      </p:grpSpPr>
+      <p:sp>
+        <p:nvSpPr>
+          <p:cNvPr id="2" name="Title 1">
+            <a:extLst>
+              <a:ext uri="{FF2B5EF4-FFF2-40B4-BE49-F238E27FC236}">
+                <a16:creationId xmlns:a16="http://schemas.microsoft.com/office/drawing/2014/main" id="{CF6D12E1-FBF4-CDF1-B80D-910C581441FA}"/>
+              </a:ext>
+            </a:extLst>
+          </p:cNvPr>
+          <p:cNvSpPr>
+            <a:spLocks noGrp="1"/>
+          </p:cNvSpPr>
+          <p:nvPr>
+            <p:ph type="title"/>
+          </p:nvPr>
+        </p:nvSpPr>
+        <p:spPr/>
+        <p:txBody>
+          <a:bodyPr>
+            <a:normAutofit fontScale="90000"/>
+          </a:bodyPr>
+          <a:lstStyle/>
+          <a:p>
+            <a:endParaRPr lang="en-US"/>
+          </a:p>
+        </p:txBody>
+      </p:sp>
+      <p:pic>
+        <p:nvPicPr>
+          <p:cNvPr id="2050" name="Picture 2">
+            <a:extLst>
+              <a:ext uri="{FF2B5EF4-FFF2-40B4-BE49-F238E27FC236}">
+                <a16:creationId xmlns:a16="http://schemas.microsoft.com/office/drawing/2014/main" id="{DEF02AC6-78FC-B7BC-B1CC-891990A6FE59}"/>
+              </a:ext>
+            </a:extLst>
+          </p:cNvPr>
+          <p:cNvPicPr>
+            <a:picLocks noChangeAspect="1" noChangeArrowheads="1"/>
+          </p:cNvPicPr>
+          <p:nvPr/>
+        </p:nvPicPr>
+        <p:blipFill>
+          <a:blip r:embed="rId2">
+            <a:extLst>
+              <a:ext uri="{28A0092B-C50C-407E-A947-70E740481C1C}">
+                <a14:useLocalDpi xmlns:a14="http://schemas.microsoft.com/office/drawing/2010/main" val="0"/>
+              </a:ext>
+            </a:extLst>
+          </a:blip>
+          <a:srcRect/>
+          <a:stretch>
+            <a:fillRect/>
+          </a:stretch>
+        </p:blipFill>
+        <p:spPr bwMode="auto">
+          <a:xfrm>
+            <a:off x="0" y="0"/>
+            <a:ext cx="9144000" cy="5143500"/>
+          </a:xfrm>
+          <a:prstGeom prst="rect">
+            <a:avLst/>
+          </a:prstGeom>
+          <a:noFill/>
+          <a:extLst>
+            <a:ext uri="{909E8E84-426E-40DD-AFC4-6F175D3DCCD1}">
+              <a14:hiddenFill xmlns:a14="http://schemas.microsoft.com/office/drawing/2010/main">
+                <a:solidFill>
+                  <a:srgbClr val="FFFFFF"/>
+                </a:solidFill>
+              </a14:hiddenFill>
+            </a:ext>
+          </a:extLst>
+        </p:spPr>
+      </p:pic>
+    </p:spTree>
+    <p:extLst>
+      <p:ext uri="{BB962C8B-B14F-4D97-AF65-F5344CB8AC3E}">
+        <p14:creationId xmlns:p14="http://schemas.microsoft.com/office/powerpoint/2010/main" val="1171021255"/>
+      </p:ext>
+    </p:extLst>
+  </p:cSld>
+  <p:clrMapOvr>
+    <a:masterClrMapping/>
+  </p:clrMapOvr>
 </p:sld>
 </file>
 
@@ -15701,13 +15601,6 @@
   <p:clrMapOvr>
     <a:masterClrMapping/>
   </p:clrMapOvr>
-  <p:timing>
-    <p:tnLst>
-      <p:par>
-        <p:cTn id="1" dur="indefinite" restart="never" nodeType="tmRoot"/>
-      </p:par>
-    </p:tnLst>
-  </p:timing>
 </p:sld>
 </file>
 
@@ -15745,7 +15638,7 @@
           </a:xfrm>
           <a:extLst>
             <a:ext uri="{FAA26D3D-D897-4be2-8F04-BA451C77F1D7}">
-              <ma14:placeholderFlag xmlns:ma14="http://schemas.microsoft.com/office/mac/drawingml/2011/main" xmlns="" val="1"/>
+              <ma14:placeholderFlag xmlns="" xmlns:ma14="http://schemas.microsoft.com/office/mac/drawingml/2011/main" val="1"/>
             </a:ext>
           </a:extLst>
         </p:spPr>
@@ -15756,18 +15649,17 @@
           <a:lstStyle/>
           <a:p>
             <a:r>
-              <a:rPr lang="en-US" altLang="en-US" sz="2200" dirty="0" smtClean="0"/>
+              <a:rPr lang="en-US" altLang="en-US" sz="2200" dirty="0"/>
               <a:t>KHÁI </a:t>
             </a:r>
             <a:r>
-              <a:rPr lang="en-US" altLang="en-US" sz="2200" dirty="0" err="1" smtClean="0"/>
+              <a:rPr lang="en-US" altLang="en-US" sz="2200" dirty="0" err="1"/>
               <a:t>NIỆM</a:t>
             </a:r>
             <a:r>
-              <a:rPr lang="en-US" altLang="en-US" sz="2200" dirty="0" smtClean="0"/>
+              <a:rPr lang="en-US" altLang="en-US" sz="2200" dirty="0"/>
               <a:t> CRUD</a:t>
             </a:r>
-            <a:endParaRPr lang="en-US" altLang="en-US" sz="2200" dirty="0"/>
           </a:p>
         </p:txBody>
       </p:sp>
@@ -15813,7 +15705,7 @@
               </a:rPr>
               <a:t>CRUD </a:t>
             </a:r>
-            <a:endParaRPr lang="en-US" sz="1600" b="1" dirty="0" smtClean="0">
+            <a:endParaRPr lang="en-US" sz="1600" b="1" dirty="0">
               <a:solidFill>
                 <a:srgbClr val="343A40"/>
               </a:solidFill>
@@ -15834,7 +15726,7 @@
               </a:spcAft>
             </a:pPr>
             <a:r>
-              <a:rPr lang="en-US" sz="1600" dirty="0" smtClean="0">
+              <a:rPr lang="en-US" sz="1600" dirty="0">
                 <a:solidFill>
                   <a:srgbClr val="343A40"/>
                 </a:solidFill>
@@ -15844,16 +15736,6 @@
               <a:t>- V</a:t>
             </a:r>
             <a:r>
-              <a:rPr lang="vi-VN" sz="1600" dirty="0" smtClean="0">
-                <a:solidFill>
-                  <a:srgbClr val="343A40"/>
-                </a:solidFill>
-                <a:latin typeface="Segoe UI" panose="020B0502040204020203" pitchFamily="34" charset="0"/>
-                <a:ea typeface="Times New Roman" panose="02020603050405020304" pitchFamily="18" charset="0"/>
-              </a:rPr>
-              <a:t>iết </a:t>
-            </a:r>
-            <a:r>
               <a:rPr lang="vi-VN" sz="1600" dirty="0">
                 <a:solidFill>
                   <a:srgbClr val="343A40"/>
@@ -15861,20 +15743,10 @@
                 <a:latin typeface="Segoe UI" panose="020B0502040204020203" pitchFamily="34" charset="0"/>
                 <a:ea typeface="Times New Roman" panose="02020603050405020304" pitchFamily="18" charset="0"/>
               </a:rPr>
-              <a:t>tắt của các từ Create, Read/Retrieve, Update, and </a:t>
-            </a:r>
-            <a:r>
-              <a:rPr lang="vi-VN" sz="1600" dirty="0" smtClean="0">
-                <a:solidFill>
-                  <a:srgbClr val="343A40"/>
-                </a:solidFill>
-                <a:latin typeface="Segoe UI" panose="020B0502040204020203" pitchFamily="34" charset="0"/>
-                <a:ea typeface="Times New Roman" panose="02020603050405020304" pitchFamily="18" charset="0"/>
-              </a:rPr>
-              <a:t>Delete</a:t>
-            </a:r>
-            <a:r>
-              <a:rPr lang="en-US" sz="1600" dirty="0" smtClean="0">
+              <a:t>iết tắt của các từ Create, Read/Retrieve, Update, and Delete</a:t>
+            </a:r>
+            <a:r>
+              <a:rPr lang="en-US" sz="1600" dirty="0">
                 <a:solidFill>
                   <a:srgbClr val="343A40"/>
                 </a:solidFill>
@@ -15897,7 +15769,7 @@
               </a:spcAft>
             </a:pPr>
             <a:r>
-              <a:rPr lang="en-US" sz="1600" dirty="0" smtClean="0">
+              <a:rPr lang="en-US" sz="1600" dirty="0">
                 <a:solidFill>
                   <a:srgbClr val="343A40"/>
                 </a:solidFill>
@@ -15907,7 +15779,7 @@
               <a:t>- </a:t>
             </a:r>
             <a:r>
-              <a:rPr lang="en-US" sz="1600" dirty="0" err="1" smtClean="0">
+              <a:rPr lang="en-US" sz="1600" dirty="0" err="1">
                 <a:solidFill>
                   <a:srgbClr val="343A40"/>
                 </a:solidFill>
@@ -15917,7 +15789,7 @@
               <a:t>Thể</a:t>
             </a:r>
             <a:r>
-              <a:rPr lang="en-US" sz="1600" dirty="0" smtClean="0">
+              <a:rPr lang="en-US" sz="1600" dirty="0">
                 <a:solidFill>
                   <a:srgbClr val="343A40"/>
                 </a:solidFill>
@@ -15927,7 +15799,7 @@
               <a:t> </a:t>
             </a:r>
             <a:r>
-              <a:rPr lang="en-US" sz="1600" dirty="0" err="1" smtClean="0">
+              <a:rPr lang="en-US" sz="1600" dirty="0" err="1">
                 <a:solidFill>
                   <a:srgbClr val="343A40"/>
                 </a:solidFill>
@@ -15937,7 +15809,7 @@
               <a:t>hiện</a:t>
             </a:r>
             <a:r>
-              <a:rPr lang="en-US" sz="1600" dirty="0" smtClean="0">
+              <a:rPr lang="en-US" sz="1600" dirty="0">
                 <a:solidFill>
                   <a:srgbClr val="343A40"/>
                 </a:solidFill>
@@ -15947,16 +15819,6 @@
               <a:t> </a:t>
             </a:r>
             <a:r>
-              <a:rPr lang="vi-VN" sz="1600" dirty="0" smtClean="0">
-                <a:solidFill>
-                  <a:srgbClr val="343A40"/>
-                </a:solidFill>
-                <a:latin typeface="Segoe UI" panose="020B0502040204020203" pitchFamily="34" charset="0"/>
-                <a:ea typeface="Times New Roman" panose="02020603050405020304" pitchFamily="18" charset="0"/>
-              </a:rPr>
-              <a:t>bốn </a:t>
-            </a:r>
-            <a:r>
               <a:rPr lang="vi-VN" sz="1600" dirty="0">
                 <a:solidFill>
                   <a:srgbClr val="343A40"/>
@@ -15964,10 +15826,10 @@
                 <a:latin typeface="Segoe UI" panose="020B0502040204020203" pitchFamily="34" charset="0"/>
                 <a:ea typeface="Times New Roman" panose="02020603050405020304" pitchFamily="18" charset="0"/>
               </a:rPr>
-              <a:t>chức năng cơ bản của </a:t>
-            </a:r>
-            <a:r>
-              <a:rPr lang="en-US" sz="1600" dirty="0" err="1" smtClean="0">
+              <a:t>bốn chức năng cơ bản của </a:t>
+            </a:r>
+            <a:r>
+              <a:rPr lang="en-US" sz="1600" dirty="0" err="1">
                 <a:solidFill>
                   <a:srgbClr val="343A40"/>
                 </a:solidFill>
@@ -15977,7 +15839,7 @@
               <a:t>làm</a:t>
             </a:r>
             <a:r>
-              <a:rPr lang="en-US" sz="1600" dirty="0" smtClean="0">
+              <a:rPr lang="en-US" sz="1600" dirty="0">
                 <a:solidFill>
                   <a:srgbClr val="343A40"/>
                 </a:solidFill>
@@ -15987,7 +15849,7 @@
               <a:t> </a:t>
             </a:r>
             <a:r>
-              <a:rPr lang="en-US" sz="1600" dirty="0" err="1" smtClean="0">
+              <a:rPr lang="en-US" sz="1600" dirty="0" err="1">
                 <a:solidFill>
                   <a:srgbClr val="343A40"/>
                 </a:solidFill>
@@ -15997,7 +15859,7 @@
               <a:t>việc</a:t>
             </a:r>
             <a:r>
-              <a:rPr lang="en-US" sz="1600" dirty="0" smtClean="0">
+              <a:rPr lang="en-US" sz="1600" dirty="0">
                 <a:solidFill>
                   <a:srgbClr val="343A40"/>
                 </a:solidFill>
@@ -16007,7 +15869,7 @@
               <a:t> </a:t>
             </a:r>
             <a:r>
-              <a:rPr lang="en-US" sz="1600" dirty="0" err="1" smtClean="0">
+              <a:rPr lang="en-US" sz="1600" dirty="0" err="1">
                 <a:solidFill>
                   <a:srgbClr val="343A40"/>
                 </a:solidFill>
@@ -16017,7 +15879,7 @@
               <a:t>với</a:t>
             </a:r>
             <a:r>
-              <a:rPr lang="en-US" sz="1600" dirty="0" smtClean="0">
+              <a:rPr lang="en-US" sz="1600" dirty="0">
                 <a:solidFill>
                   <a:srgbClr val="343A40"/>
                 </a:solidFill>
@@ -16027,7 +15889,7 @@
               <a:t> </a:t>
             </a:r>
             <a:r>
-              <a:rPr lang="en-US" sz="1600" dirty="0" err="1" smtClean="0">
+              <a:rPr lang="en-US" sz="1600" dirty="0" err="1">
                 <a:solidFill>
                   <a:srgbClr val="343A40"/>
                 </a:solidFill>
@@ -16037,7 +15899,7 @@
               <a:t>cơ</a:t>
             </a:r>
             <a:r>
-              <a:rPr lang="en-US" sz="1600" dirty="0" smtClean="0">
+              <a:rPr lang="en-US" sz="1600" dirty="0">
                 <a:solidFill>
                   <a:srgbClr val="343A40"/>
                 </a:solidFill>
@@ -16047,7 +15909,7 @@
               <a:t> </a:t>
             </a:r>
             <a:r>
-              <a:rPr lang="en-US" sz="1600" dirty="0" err="1" smtClean="0">
+              <a:rPr lang="en-US" sz="1600" dirty="0" err="1">
                 <a:solidFill>
                   <a:srgbClr val="343A40"/>
                 </a:solidFill>
@@ -16057,7 +15919,7 @@
               <a:t>sở</a:t>
             </a:r>
             <a:r>
-              <a:rPr lang="en-US" sz="1600" dirty="0" smtClean="0">
+              <a:rPr lang="en-US" sz="1600" dirty="0">
                 <a:solidFill>
                   <a:srgbClr val="343A40"/>
                 </a:solidFill>
@@ -16067,7 +15929,7 @@
               <a:t> </a:t>
             </a:r>
             <a:r>
-              <a:rPr lang="en-US" sz="1600" dirty="0" err="1" smtClean="0">
+              <a:rPr lang="en-US" sz="1600" dirty="0" err="1">
                 <a:solidFill>
                   <a:srgbClr val="343A40"/>
                 </a:solidFill>
@@ -16077,7 +15939,7 @@
               <a:t>dữ</a:t>
             </a:r>
             <a:r>
-              <a:rPr lang="en-US" sz="1600" dirty="0" smtClean="0">
+              <a:rPr lang="en-US" sz="1600" dirty="0">
                 <a:solidFill>
                   <a:srgbClr val="343A40"/>
                 </a:solidFill>
@@ -16087,7 +15949,7 @@
               <a:t> </a:t>
             </a:r>
             <a:r>
-              <a:rPr lang="en-US" sz="1600" dirty="0" err="1" smtClean="0">
+              <a:rPr lang="en-US" sz="1600" dirty="0" err="1">
                 <a:solidFill>
                   <a:srgbClr val="343A40"/>
                 </a:solidFill>
@@ -16096,7 +15958,7 @@
               </a:rPr>
               <a:t>liệu</a:t>
             </a:r>
-            <a:endParaRPr lang="en-US" sz="1600" dirty="0" smtClean="0">
+            <a:endParaRPr lang="en-US" sz="1600" dirty="0">
               <a:solidFill>
                 <a:srgbClr val="343A40"/>
               </a:solidFill>
@@ -16169,13 +16031,6 @@
   <p:clrMapOvr>
     <a:masterClrMapping/>
   </p:clrMapOvr>
-  <p:timing>
-    <p:tnLst>
-      <p:par>
-        <p:cTn id="1" dur="indefinite" restart="never" nodeType="tmRoot"/>
-      </p:par>
-    </p:tnLst>
-  </p:timing>
 </p:sld>
 </file>
 
@@ -16213,7 +16068,7 @@
           </a:xfrm>
           <a:extLst>
             <a:ext uri="{FAA26D3D-D897-4be2-8F04-BA451C77F1D7}">
-              <ma14:placeholderFlag xmlns:ma14="http://schemas.microsoft.com/office/mac/drawingml/2011/main" xmlns="" val="1"/>
+              <ma14:placeholderFlag xmlns="" xmlns:ma14="http://schemas.microsoft.com/office/mac/drawingml/2011/main" val="1"/>
             </a:ext>
           </a:extLst>
         </p:spPr>
@@ -16224,18 +16079,17 @@
           <a:lstStyle/>
           <a:p>
             <a:r>
-              <a:rPr lang="en-US" altLang="en-US" sz="2200" dirty="0" smtClean="0"/>
+              <a:rPr lang="en-US" altLang="en-US" sz="2200" dirty="0"/>
               <a:t>KHÁI </a:t>
             </a:r>
             <a:r>
-              <a:rPr lang="en-US" altLang="en-US" sz="2200" dirty="0" err="1" smtClean="0"/>
+              <a:rPr lang="en-US" altLang="en-US" sz="2200" dirty="0" err="1"/>
               <a:t>NIỆM</a:t>
             </a:r>
             <a:r>
-              <a:rPr lang="en-US" altLang="en-US" sz="2200" dirty="0" smtClean="0"/>
+              <a:rPr lang="en-US" altLang="en-US" sz="2200" dirty="0"/>
               <a:t> CRUD</a:t>
             </a:r>
-            <a:endParaRPr lang="en-US" altLang="en-US" sz="2200" dirty="0"/>
           </a:p>
         </p:txBody>
       </p:sp>
@@ -16272,16 +16126,6 @@
               </a:spcAft>
             </a:pPr>
             <a:r>
-              <a:rPr lang="vi-VN" sz="1600" dirty="0" smtClean="0">
-                <a:solidFill>
-                  <a:srgbClr val="343A40"/>
-                </a:solidFill>
-                <a:latin typeface="Segoe UI" panose="020B0502040204020203" pitchFamily="34" charset="0"/>
-                <a:ea typeface="Times New Roman" panose="02020603050405020304" pitchFamily="18" charset="0"/>
-              </a:rPr>
-              <a:t>CRUD </a:t>
-            </a:r>
-            <a:r>
               <a:rPr lang="vi-VN" sz="1600" dirty="0">
                 <a:solidFill>
                   <a:srgbClr val="343A40"/>
@@ -16289,9 +16133,9 @@
                 <a:latin typeface="Segoe UI" panose="020B0502040204020203" pitchFamily="34" charset="0"/>
                 <a:ea typeface="Times New Roman" panose="02020603050405020304" pitchFamily="18" charset="0"/>
               </a:rPr>
-              <a:t>hướng dữ liệu và sử dụng tiêu chuẩn hóa các động từ hành động HTTP. </a:t>
-            </a:r>
-            <a:endParaRPr lang="en-US" sz="1600" dirty="0" smtClean="0">
+              <a:t>CRUD hướng dữ liệu và sử dụng tiêu chuẩn hóa các động từ hành động HTTP. </a:t>
+            </a:r>
+            <a:endParaRPr lang="en-US" sz="1600" dirty="0">
               <a:solidFill>
                 <a:srgbClr val="343A40"/>
               </a:solidFill>
@@ -16312,7 +16156,7 @@
               </a:spcAft>
             </a:pPr>
             <a:r>
-              <a:rPr lang="en-US" sz="1600" dirty="0" err="1" smtClean="0">
+              <a:rPr lang="en-US" sz="1600" dirty="0" err="1">
                 <a:solidFill>
                   <a:srgbClr val="343A40"/>
                 </a:solidFill>
@@ -16322,7 +16166,7 @@
               <a:t>Một</a:t>
             </a:r>
             <a:r>
-              <a:rPr lang="en-US" sz="1600" dirty="0" smtClean="0">
+              <a:rPr lang="en-US" sz="1600" dirty="0">
                 <a:solidFill>
                   <a:srgbClr val="343A40"/>
                 </a:solidFill>
@@ -16332,7 +16176,7 @@
               <a:t> </a:t>
             </a:r>
             <a:r>
-              <a:rPr lang="en-US" sz="1600" dirty="0" err="1" smtClean="0">
+              <a:rPr lang="en-US" sz="1600" dirty="0" err="1">
                 <a:solidFill>
                   <a:srgbClr val="343A40"/>
                 </a:solidFill>
@@ -16342,7 +16186,7 @@
               <a:t>số</a:t>
             </a:r>
             <a:r>
-              <a:rPr lang="en-US" sz="1600" dirty="0" smtClean="0">
+              <a:rPr lang="en-US" sz="1600" dirty="0">
                 <a:solidFill>
                   <a:srgbClr val="343A40"/>
                 </a:solidFill>
@@ -16352,7 +16196,7 @@
               <a:t> </a:t>
             </a:r>
             <a:r>
-              <a:rPr lang="en-US" sz="1600" dirty="0" err="1" smtClean="0">
+              <a:rPr lang="en-US" sz="1600" dirty="0" err="1">
                 <a:solidFill>
                   <a:srgbClr val="343A40"/>
                 </a:solidFill>
@@ -16362,7 +16206,7 @@
               <a:t>hoạt</a:t>
             </a:r>
             <a:r>
-              <a:rPr lang="en-US" sz="1600" dirty="0" smtClean="0">
+              <a:rPr lang="en-US" sz="1600" dirty="0">
                 <a:solidFill>
                   <a:srgbClr val="343A40"/>
                 </a:solidFill>
@@ -16372,7 +16216,7 @@
               <a:t> </a:t>
             </a:r>
             <a:r>
-              <a:rPr lang="en-US" sz="1600" dirty="0" err="1" smtClean="0">
+              <a:rPr lang="en-US" sz="1600" dirty="0" err="1">
                 <a:solidFill>
                   <a:srgbClr val="343A40"/>
                 </a:solidFill>
@@ -16382,7 +16226,7 @@
               <a:t>động</a:t>
             </a:r>
             <a:r>
-              <a:rPr lang="en-US" sz="1600" dirty="0" smtClean="0">
+              <a:rPr lang="en-US" sz="1600" dirty="0">
                 <a:solidFill>
                   <a:srgbClr val="343A40"/>
                 </a:solidFill>
@@ -16392,7 +16236,7 @@
               <a:t> </a:t>
             </a:r>
             <a:r>
-              <a:rPr lang="en-US" sz="1600" dirty="0" err="1" smtClean="0">
+              <a:rPr lang="en-US" sz="1600" dirty="0" err="1">
                 <a:solidFill>
                   <a:srgbClr val="343A40"/>
                 </a:solidFill>
@@ -16402,7 +16246,7 @@
               <a:t>cơ</a:t>
             </a:r>
             <a:r>
-              <a:rPr lang="en-US" sz="1600" dirty="0" smtClean="0">
+              <a:rPr lang="en-US" sz="1600" dirty="0">
                 <a:solidFill>
                   <a:srgbClr val="343A40"/>
                 </a:solidFill>
@@ -16412,7 +16256,7 @@
               <a:t> </a:t>
             </a:r>
             <a:r>
-              <a:rPr lang="en-US" sz="1600" dirty="0" err="1" smtClean="0">
+              <a:rPr lang="en-US" sz="1600" dirty="0" err="1">
                 <a:solidFill>
                   <a:srgbClr val="343A40"/>
                 </a:solidFill>
@@ -16422,7 +16266,7 @@
               <a:t>bản</a:t>
             </a:r>
             <a:r>
-              <a:rPr lang="en-US" sz="1600" dirty="0" smtClean="0">
+              <a:rPr lang="en-US" sz="1600" dirty="0">
                 <a:solidFill>
                   <a:srgbClr val="343A40"/>
                 </a:solidFill>
@@ -16432,7 +16276,7 @@
               <a:t> </a:t>
             </a:r>
             <a:r>
-              <a:rPr lang="en-US" sz="1600" dirty="0" err="1" smtClean="0">
+              <a:rPr lang="en-US" sz="1600" dirty="0" err="1">
                 <a:solidFill>
                   <a:srgbClr val="343A40"/>
                 </a:solidFill>
@@ -16442,7 +16286,7 @@
               <a:t>của</a:t>
             </a:r>
             <a:r>
-              <a:rPr lang="en-US" sz="1600" dirty="0" smtClean="0">
+              <a:rPr lang="en-US" sz="1600" dirty="0">
                 <a:solidFill>
                   <a:srgbClr val="343A40"/>
                 </a:solidFill>
@@ -16452,7 +16296,7 @@
               <a:t> </a:t>
             </a:r>
             <a:r>
-              <a:rPr lang="vi-VN" sz="1600" dirty="0" smtClean="0">
+              <a:rPr lang="vi-VN" sz="1600" dirty="0">
                 <a:solidFill>
                   <a:srgbClr val="343A40"/>
                 </a:solidFill>
@@ -16462,7 +16306,7 @@
               <a:t>HTTP</a:t>
             </a:r>
             <a:r>
-              <a:rPr lang="en-US" sz="1600" dirty="0" smtClean="0">
+              <a:rPr lang="en-US" sz="1600" dirty="0">
                 <a:solidFill>
                   <a:srgbClr val="343A40"/>
                 </a:solidFill>
@@ -16492,7 +16336,7 @@
               </a:spcAft>
             </a:pPr>
             <a:r>
-              <a:rPr lang="en-US" sz="1600" dirty="0" smtClean="0">
+              <a:rPr lang="en-US" sz="1600" dirty="0">
                 <a:solidFill>
                   <a:srgbClr val="343A40"/>
                 </a:solidFill>
@@ -16502,16 +16346,6 @@
               <a:t>- </a:t>
             </a:r>
             <a:r>
-              <a:rPr lang="vi-VN" sz="1600" dirty="0" smtClean="0">
-                <a:solidFill>
-                  <a:srgbClr val="343A40"/>
-                </a:solidFill>
-                <a:latin typeface="Segoe UI" panose="020B0502040204020203" pitchFamily="34" charset="0"/>
-                <a:ea typeface="Times New Roman" panose="02020603050405020304" pitchFamily="18" charset="0"/>
-              </a:rPr>
-              <a:t>POST</a:t>
-            </a:r>
-            <a:r>
               <a:rPr lang="vi-VN" sz="1600" dirty="0">
                 <a:solidFill>
                   <a:srgbClr val="343A40"/>
@@ -16519,7 +16353,7 @@
                 <a:latin typeface="Segoe UI" panose="020B0502040204020203" pitchFamily="34" charset="0"/>
                 <a:ea typeface="Times New Roman" panose="02020603050405020304" pitchFamily="18" charset="0"/>
               </a:rPr>
-              <a:t>: Tạo tài nguyên mới</a:t>
+              <a:t>POST: Tạo tài nguyên mới</a:t>
             </a:r>
           </a:p>
           <a:p>
@@ -16535,7 +16369,7 @@
               </a:spcAft>
             </a:pPr>
             <a:r>
-              <a:rPr lang="en-US" sz="1600" dirty="0" smtClean="0">
+              <a:rPr lang="en-US" sz="1600" dirty="0">
                 <a:solidFill>
                   <a:srgbClr val="343A40"/>
                 </a:solidFill>
@@ -16545,16 +16379,6 @@
               <a:t>- </a:t>
             </a:r>
             <a:r>
-              <a:rPr lang="vi-VN" sz="1600" dirty="0" smtClean="0">
-                <a:solidFill>
-                  <a:srgbClr val="343A40"/>
-                </a:solidFill>
-                <a:latin typeface="Segoe UI" panose="020B0502040204020203" pitchFamily="34" charset="0"/>
-                <a:ea typeface="Times New Roman" panose="02020603050405020304" pitchFamily="18" charset="0"/>
-              </a:rPr>
-              <a:t>GET</a:t>
-            </a:r>
-            <a:r>
               <a:rPr lang="vi-VN" sz="1600" dirty="0">
                 <a:solidFill>
                   <a:srgbClr val="343A40"/>
@@ -16562,7 +16386,7 @@
                 <a:latin typeface="Segoe UI" panose="020B0502040204020203" pitchFamily="34" charset="0"/>
                 <a:ea typeface="Times New Roman" panose="02020603050405020304" pitchFamily="18" charset="0"/>
               </a:rPr>
-              <a:t>: Đọc một tài nguyên</a:t>
+              <a:t>GET: Đọc một tài nguyên</a:t>
             </a:r>
           </a:p>
           <a:p>
@@ -16578,7 +16402,7 @@
               </a:spcAft>
             </a:pPr>
             <a:r>
-              <a:rPr lang="en-US" sz="1600" dirty="0" smtClean="0">
+              <a:rPr lang="en-US" sz="1600" dirty="0">
                 <a:solidFill>
                   <a:srgbClr val="343A40"/>
                 </a:solidFill>
@@ -16588,16 +16412,6 @@
               <a:t>- </a:t>
             </a:r>
             <a:r>
-              <a:rPr lang="vi-VN" sz="1600" dirty="0" smtClean="0">
-                <a:solidFill>
-                  <a:srgbClr val="343A40"/>
-                </a:solidFill>
-                <a:latin typeface="Segoe UI" panose="020B0502040204020203" pitchFamily="34" charset="0"/>
-                <a:ea typeface="Times New Roman" panose="02020603050405020304" pitchFamily="18" charset="0"/>
-              </a:rPr>
-              <a:t>PUT</a:t>
-            </a:r>
-            <a:r>
               <a:rPr lang="vi-VN" sz="1600" dirty="0">
                 <a:solidFill>
                   <a:srgbClr val="343A40"/>
@@ -16605,7 +16419,7 @@
                 <a:latin typeface="Segoe UI" panose="020B0502040204020203" pitchFamily="34" charset="0"/>
                 <a:ea typeface="Times New Roman" panose="02020603050405020304" pitchFamily="18" charset="0"/>
               </a:rPr>
-              <a:t>: Cập nhật tài nguyên hiện có</a:t>
+              <a:t>PUT: Cập nhật tài nguyên hiện có</a:t>
             </a:r>
           </a:p>
           <a:p>
@@ -16621,7 +16435,7 @@
               </a:spcAft>
             </a:pPr>
             <a:r>
-              <a:rPr lang="en-US" sz="1600" dirty="0" smtClean="0">
+              <a:rPr lang="en-US" sz="1600" dirty="0">
                 <a:solidFill>
                   <a:srgbClr val="343A40"/>
                 </a:solidFill>
@@ -16631,16 +16445,6 @@
               <a:t>- </a:t>
             </a:r>
             <a:r>
-              <a:rPr lang="vi-VN" sz="1600" dirty="0" smtClean="0">
-                <a:solidFill>
-                  <a:srgbClr val="343A40"/>
-                </a:solidFill>
-                <a:latin typeface="Segoe UI" panose="020B0502040204020203" pitchFamily="34" charset="0"/>
-                <a:ea typeface="Times New Roman" panose="02020603050405020304" pitchFamily="18" charset="0"/>
-              </a:rPr>
-              <a:t>DELETE</a:t>
-            </a:r>
-            <a:r>
               <a:rPr lang="vi-VN" sz="1600" dirty="0">
                 <a:solidFill>
                   <a:srgbClr val="343A40"/>
@@ -16648,17 +16452,7 @@
                 <a:latin typeface="Segoe UI" panose="020B0502040204020203" pitchFamily="34" charset="0"/>
                 <a:ea typeface="Times New Roman" panose="02020603050405020304" pitchFamily="18" charset="0"/>
               </a:rPr>
-              <a:t>: Xóa tài </a:t>
-            </a:r>
-            <a:r>
-              <a:rPr lang="vi-VN" sz="1600" dirty="0" smtClean="0">
-                <a:solidFill>
-                  <a:srgbClr val="343A40"/>
-                </a:solidFill>
-                <a:latin typeface="Segoe UI" panose="020B0502040204020203" pitchFamily="34" charset="0"/>
-                <a:ea typeface="Times New Roman" panose="02020603050405020304" pitchFamily="18" charset="0"/>
-              </a:rPr>
-              <a:t>nguyên</a:t>
+              <a:t>DELETE: Xóa tài nguyên</a:t>
             </a:r>
             <a:endParaRPr lang="en-US" sz="1600" dirty="0"/>
           </a:p>
@@ -16698,13 +16492,6 @@
   <p:clrMapOvr>
     <a:masterClrMapping/>
   </p:clrMapOvr>
-  <p:timing>
-    <p:tnLst>
-      <p:par>
-        <p:cTn id="1" dur="indefinite" restart="never" nodeType="tmRoot"/>
-      </p:par>
-    </p:tnLst>
-  </p:timing>
 </p:sld>
 </file>
 
@@ -16742,7 +16529,7 @@
           </a:xfrm>
           <a:extLst>
             <a:ext uri="{FAA26D3D-D897-4be2-8F04-BA451C77F1D7}">
-              <ma14:placeholderFlag xmlns:ma14="http://schemas.microsoft.com/office/mac/drawingml/2011/main" xmlns="" val="1"/>
+              <ma14:placeholderFlag xmlns="" xmlns:ma14="http://schemas.microsoft.com/office/mac/drawingml/2011/main" val="1"/>
             </a:ext>
           </a:extLst>
         </p:spPr>
@@ -16753,27 +16540,27 @@
           <a:lstStyle/>
           <a:p>
             <a:r>
-              <a:rPr lang="en-US" altLang="en-US" sz="2200" dirty="0" smtClean="0"/>
+              <a:rPr lang="en-US" altLang="en-US" sz="2200" dirty="0"/>
               <a:t>THAO </a:t>
             </a:r>
             <a:r>
-              <a:rPr lang="en-US" altLang="en-US" sz="2200" dirty="0" err="1" smtClean="0"/>
+              <a:rPr lang="en-US" altLang="en-US" sz="2200" dirty="0" err="1"/>
               <a:t>TÁC</a:t>
             </a:r>
             <a:r>
-              <a:rPr lang="en-US" altLang="en-US" sz="2200" dirty="0" smtClean="0"/>
+              <a:rPr lang="en-US" altLang="en-US" sz="2200" dirty="0"/>
               <a:t> CRUD </a:t>
             </a:r>
             <a:r>
-              <a:rPr lang="en-US" altLang="en-US" sz="2200" dirty="0" err="1" smtClean="0"/>
+              <a:rPr lang="en-US" altLang="en-US" sz="2200" dirty="0" err="1"/>
               <a:t>TIÊU</a:t>
             </a:r>
             <a:r>
-              <a:rPr lang="en-US" altLang="en-US" sz="2200" dirty="0" smtClean="0"/>
+              <a:rPr lang="en-US" altLang="en-US" sz="2200" dirty="0"/>
               <a:t> </a:t>
             </a:r>
             <a:r>
-              <a:rPr lang="en-US" altLang="en-US" sz="2200" dirty="0" err="1" smtClean="0"/>
+              <a:rPr lang="en-US" altLang="en-US" sz="2200" dirty="0" err="1"/>
               <a:t>CHUẨN</a:t>
             </a:r>
             <a:endParaRPr lang="en-US" altLang="en-US" sz="2200" dirty="0"/>
@@ -16813,16 +16600,6 @@
               </a:spcAft>
             </a:pPr>
             <a:r>
-              <a:rPr lang="vi-VN" sz="1600" dirty="0" smtClean="0">
-                <a:solidFill>
-                  <a:srgbClr val="343A40"/>
-                </a:solidFill>
-                <a:latin typeface="Segoe UI" panose="020B0502040204020203" pitchFamily="34" charset="0"/>
-                <a:ea typeface="Times New Roman" panose="02020603050405020304" pitchFamily="18" charset="0"/>
-              </a:rPr>
-              <a:t>Thao </a:t>
-            </a:r>
-            <a:r>
               <a:rPr lang="vi-VN" sz="1600" dirty="0">
                 <a:solidFill>
                   <a:srgbClr val="343A40"/>
@@ -16830,7 +16607,7 @@
                 <a:latin typeface="Segoe UI" panose="020B0502040204020203" pitchFamily="34" charset="0"/>
                 <a:ea typeface="Times New Roman" panose="02020603050405020304" pitchFamily="18" charset="0"/>
               </a:rPr>
-              <a:t>tác CREATE: Thực hiện câu lệnh INSERT để tạo một bản ghi mới.</a:t>
+              <a:t>Thao tác CREATE: Thực hiện câu lệnh INSERT để tạo một bản ghi mới.</a:t>
             </a:r>
           </a:p>
           <a:p>
@@ -16942,13 +16719,6 @@
   <p:clrMapOvr>
     <a:masterClrMapping/>
   </p:clrMapOvr>
-  <p:timing>
-    <p:tnLst>
-      <p:par>
-        <p:cTn id="1" dur="indefinite" restart="never" nodeType="tmRoot"/>
-      </p:par>
-    </p:tnLst>
-  </p:timing>
 </p:sld>
 </file>
 
@@ -16986,7 +16756,7 @@
           </a:xfrm>
           <a:extLst>
             <a:ext uri="{FAA26D3D-D897-4be2-8F04-BA451C77F1D7}">
-              <ma14:placeholderFlag xmlns:ma14="http://schemas.microsoft.com/office/mac/drawingml/2011/main" xmlns="" val="1"/>
+              <ma14:placeholderFlag xmlns="" xmlns:ma14="http://schemas.microsoft.com/office/mac/drawingml/2011/main" val="1"/>
             </a:ext>
           </a:extLst>
         </p:spPr>
@@ -16997,26 +16767,25 @@
           <a:lstStyle/>
           <a:p>
             <a:r>
-              <a:rPr lang="en-US" altLang="en-US" sz="2200" dirty="0" smtClean="0"/>
+              <a:rPr lang="en-US" altLang="en-US" sz="2200" dirty="0"/>
               <a:t>HOẠT </a:t>
             </a:r>
             <a:r>
-              <a:rPr lang="en-US" altLang="en-US" sz="2200" dirty="0" err="1" smtClean="0"/>
+              <a:rPr lang="en-US" altLang="en-US" sz="2200" dirty="0" err="1"/>
               <a:t>ĐỘNG</a:t>
             </a:r>
             <a:r>
-              <a:rPr lang="en-US" altLang="en-US" sz="2200" dirty="0" smtClean="0"/>
+              <a:rPr lang="en-US" altLang="en-US" sz="2200" dirty="0"/>
               <a:t> </a:t>
             </a:r>
             <a:r>
-              <a:rPr lang="en-US" altLang="en-US" sz="2200" dirty="0" err="1" smtClean="0"/>
+              <a:rPr lang="en-US" altLang="en-US" sz="2200" dirty="0" err="1"/>
               <a:t>CỦA</a:t>
             </a:r>
             <a:r>
-              <a:rPr lang="en-US" altLang="en-US" sz="2200" dirty="0" smtClean="0"/>
+              <a:rPr lang="en-US" altLang="en-US" sz="2200" dirty="0"/>
               <a:t> CRUD</a:t>
             </a:r>
-            <a:endParaRPr lang="en-US" altLang="en-US" sz="2200" dirty="0"/>
           </a:p>
         </p:txBody>
       </p:sp>
@@ -17045,10 +16814,34 @@
                 <a:tableStyleId>{5C22544A-7EE6-4342-B048-85BDC9FD1C3A}</a:tableStyleId>
               </a:tblPr>
               <a:tblGrid>
-                <a:gridCol w="1608987"/>
-                <a:gridCol w="1321816"/>
-                <a:gridCol w="2488076"/>
-                <a:gridCol w="3098799"/>
+                <a:gridCol w="1608987">
+                  <a:extLst>
+                    <a:ext uri="{9D8B030D-6E8A-4147-A177-3AD203B41FA5}">
+                      <a16:colId xmlns:a16="http://schemas.microsoft.com/office/drawing/2014/main" val="20000"/>
+                    </a:ext>
+                  </a:extLst>
+                </a:gridCol>
+                <a:gridCol w="1321816">
+                  <a:extLst>
+                    <a:ext uri="{9D8B030D-6E8A-4147-A177-3AD203B41FA5}">
+                      <a16:colId xmlns:a16="http://schemas.microsoft.com/office/drawing/2014/main" val="20001"/>
+                    </a:ext>
+                  </a:extLst>
+                </a:gridCol>
+                <a:gridCol w="2488076">
+                  <a:extLst>
+                    <a:ext uri="{9D8B030D-6E8A-4147-A177-3AD203B41FA5}">
+                      <a16:colId xmlns:a16="http://schemas.microsoft.com/office/drawing/2014/main" val="20002"/>
+                    </a:ext>
+                  </a:extLst>
+                </a:gridCol>
+                <a:gridCol w="3098799">
+                  <a:extLst>
+                    <a:ext uri="{9D8B030D-6E8A-4147-A177-3AD203B41FA5}">
+                      <a16:colId xmlns:a16="http://schemas.microsoft.com/office/drawing/2014/main" val="20003"/>
+                    </a:ext>
+                  </a:extLst>
+                </a:gridCol>
               </a:tblGrid>
               <a:tr h="769957">
                 <a:tc>
@@ -17167,6 +16960,11 @@
                   </a:txBody>
                   <a:tcPr marL="114300" marR="114300" marT="114300" marB="114300"/>
                 </a:tc>
+                <a:extLst>
+                  <a:ext uri="{0D108BD9-81ED-4DB2-BD59-A6C34878D82A}">
+                    <a16:rowId xmlns:a16="http://schemas.microsoft.com/office/drawing/2014/main" val="10000"/>
+                  </a:ext>
+                </a:extLst>
               </a:tr>
               <a:tr h="405774">
                 <a:tc>
@@ -17285,6 +17083,11 @@
                   </a:txBody>
                   <a:tcPr marL="76200" marR="76200" marT="76200" marB="76200"/>
                 </a:tc>
+                <a:extLst>
+                  <a:ext uri="{0D108BD9-81ED-4DB2-BD59-A6C34878D82A}">
+                    <a16:rowId xmlns:a16="http://schemas.microsoft.com/office/drawing/2014/main" val="10001"/>
+                  </a:ext>
+                </a:extLst>
               </a:tr>
               <a:tr h="405774">
                 <a:tc>
@@ -17403,6 +17206,11 @@
                   </a:txBody>
                   <a:tcPr marL="76200" marR="76200" marT="76200" marB="76200"/>
                 </a:tc>
+                <a:extLst>
+                  <a:ext uri="{0D108BD9-81ED-4DB2-BD59-A6C34878D82A}">
+                    <a16:rowId xmlns:a16="http://schemas.microsoft.com/office/drawing/2014/main" val="10002"/>
+                  </a:ext>
+                </a:extLst>
               </a:tr>
               <a:tr h="640540">
                 <a:tc>
@@ -17521,6 +17329,11 @@
                   </a:txBody>
                   <a:tcPr marL="76200" marR="76200" marT="76200" marB="76200"/>
                 </a:tc>
+                <a:extLst>
+                  <a:ext uri="{0D108BD9-81ED-4DB2-BD59-A6C34878D82A}">
+                    <a16:rowId xmlns:a16="http://schemas.microsoft.com/office/drawing/2014/main" val="10003"/>
+                  </a:ext>
+                </a:extLst>
               </a:tr>
               <a:tr h="405774">
                 <a:tc>
@@ -17639,6 +17452,11 @@
                   </a:txBody>
                   <a:tcPr marL="76200" marR="76200" marT="76200" marB="76200"/>
                 </a:tc>
+                <a:extLst>
+                  <a:ext uri="{0D108BD9-81ED-4DB2-BD59-A6C34878D82A}">
+                    <a16:rowId xmlns:a16="http://schemas.microsoft.com/office/drawing/2014/main" val="10004"/>
+                  </a:ext>
+                </a:extLst>
               </a:tr>
             </a:tbl>
           </a:graphicData>
@@ -17675,11 +17493,11 @@
               <a:t>Các </a:t>
             </a:r>
             <a:r>
-              <a:rPr lang="en-US" sz="1800" dirty="0" err="1" smtClean="0"/>
+              <a:rPr lang="en-US" sz="1800" dirty="0" err="1"/>
               <a:t>thao</a:t>
             </a:r>
             <a:r>
-              <a:rPr lang="en-US" sz="1800" dirty="0" smtClean="0"/>
+              <a:rPr lang="en-US" sz="1800" dirty="0"/>
               <a:t> </a:t>
             </a:r>
             <a:r>
@@ -17746,7 +17564,6 @@
               <a:rPr lang="en-US" sz="1800" dirty="0"/>
               <a:t>. </a:t>
             </a:r>
-            <a:endParaRPr lang="en-US" sz="1800" dirty="0" smtClean="0"/>
           </a:p>
           <a:p>
             <a:pPr algn="just">
@@ -17755,11 +17572,11 @@
               </a:lnSpc>
             </a:pPr>
             <a:r>
-              <a:rPr lang="en-US" sz="1800" dirty="0" err="1" smtClean="0"/>
+              <a:rPr lang="en-US" sz="1800" dirty="0" err="1"/>
               <a:t>Cần</a:t>
             </a:r>
             <a:r>
-              <a:rPr lang="en-US" sz="1800" dirty="0" smtClean="0"/>
+              <a:rPr lang="en-US" sz="1800" dirty="0"/>
               <a:t> </a:t>
             </a:r>
             <a:r>
@@ -17839,13 +17656,6 @@
   <p:clrMapOvr>
     <a:masterClrMapping/>
   </p:clrMapOvr>
-  <p:timing>
-    <p:tnLst>
-      <p:par>
-        <p:cTn id="1" dur="indefinite" restart="never" nodeType="tmRoot"/>
-      </p:par>
-    </p:tnLst>
-  </p:timing>
 </p:sld>
 </file>
 
@@ -17914,13 +17724,6 @@
   <p:clrMapOvr>
     <a:masterClrMapping/>
   </p:clrMapOvr>
-  <p:timing>
-    <p:tnLst>
-      <p:par>
-        <p:cTn id="1" dur="indefinite" restart="never" nodeType="tmRoot"/>
-      </p:par>
-    </p:tnLst>
-  </p:timing>
 </p:sld>
 </file>
 
@@ -17958,7 +17761,7 @@
           </a:xfrm>
           <a:extLst>
             <a:ext uri="{FAA26D3D-D897-4be2-8F04-BA451C77F1D7}">
-              <ma14:placeholderFlag xmlns:ma14="http://schemas.microsoft.com/office/mac/drawingml/2011/main" xmlns="" val="1"/>
+              <ma14:placeholderFlag xmlns="" xmlns:ma14="http://schemas.microsoft.com/office/mac/drawingml/2011/main" val="1"/>
             </a:ext>
           </a:extLst>
         </p:spPr>
@@ -17969,15 +17772,15 @@
           <a:lstStyle/>
           <a:p>
             <a:r>
-              <a:rPr lang="en-US" altLang="en-US" sz="2200" dirty="0" err="1" smtClean="0"/>
+              <a:rPr lang="en-US" altLang="en-US" sz="2200" dirty="0" err="1"/>
               <a:t>GIỚI</a:t>
             </a:r>
             <a:r>
-              <a:rPr lang="en-US" altLang="en-US" sz="2200" dirty="0" smtClean="0"/>
+              <a:rPr lang="en-US" altLang="en-US" sz="2200" dirty="0"/>
               <a:t> </a:t>
             </a:r>
             <a:r>
-              <a:rPr lang="en-US" altLang="en-US" sz="2200" dirty="0" err="1" smtClean="0"/>
+              <a:rPr lang="en-US" altLang="en-US" sz="2200" dirty="0" err="1"/>
               <a:t>THIỆU</a:t>
             </a:r>
             <a:endParaRPr lang="en-US" altLang="en-US" sz="2200" dirty="0"/>
@@ -18011,18 +17814,14 @@
               </a:lnSpc>
             </a:pPr>
             <a:r>
-              <a:rPr lang="en-US" sz="2000" dirty="0" smtClean="0"/>
+              <a:rPr lang="en-US" sz="2000" dirty="0"/>
               <a:t>- C</a:t>
             </a:r>
             <a:r>
-              <a:rPr lang="vi-VN" sz="2000" dirty="0" smtClean="0"/>
-              <a:t>hứa </a:t>
-            </a:r>
-            <a:r>
               <a:rPr lang="vi-VN" sz="2000" dirty="0"/>
-              <a:t>các phương thức cho hoạt động CRUD. </a:t>
-            </a:r>
-            <a:endParaRPr lang="en-US" sz="2000" dirty="0" smtClean="0"/>
+              <a:t>hứa các phương thức cho hoạt động CRUD. </a:t>
+            </a:r>
+            <a:endParaRPr lang="en-US" sz="2000" dirty="0"/>
           </a:p>
           <a:p>
             <a:pPr algn="just">
@@ -18031,18 +17830,14 @@
               </a:lnSpc>
             </a:pPr>
             <a:r>
-              <a:rPr lang="en-US" sz="2000" dirty="0" smtClean="0"/>
+              <a:rPr lang="en-US" sz="2000" dirty="0"/>
               <a:t>- Đ</a:t>
             </a:r>
             <a:r>
-              <a:rPr lang="vi-VN" sz="2000" dirty="0" smtClean="0"/>
-              <a:t>ược </a:t>
-            </a:r>
-            <a:r>
               <a:rPr lang="vi-VN" sz="2000" dirty="0"/>
-              <a:t>định nghĩa trong gói org.springframework.data.repository. </a:t>
-            </a:r>
-            <a:endParaRPr lang="en-US" sz="2000" dirty="0" smtClean="0"/>
+              <a:t>ược định nghĩa trong gói org.springframework.data.repository. </a:t>
+            </a:r>
+            <a:endParaRPr lang="en-US" sz="2000" dirty="0"/>
           </a:p>
           <a:p>
             <a:pPr algn="just">
@@ -18051,18 +17846,14 @@
               </a:lnSpc>
             </a:pPr>
             <a:r>
-              <a:rPr lang="en-US" sz="2000" dirty="0" smtClean="0"/>
+              <a:rPr lang="en-US" sz="2000" dirty="0"/>
               <a:t>- M</a:t>
             </a:r>
             <a:r>
-              <a:rPr lang="vi-VN" sz="2000" dirty="0" smtClean="0"/>
-              <a:t>ở </a:t>
-            </a:r>
-            <a:r>
               <a:rPr lang="vi-VN" sz="2000" dirty="0"/>
-              <a:t>rộng Spring Data Repository. </a:t>
-            </a:r>
-            <a:endParaRPr lang="en-US" sz="2000" dirty="0" smtClean="0"/>
+              <a:t>ở rộng Spring Data Repository. </a:t>
+            </a:r>
+            <a:endParaRPr lang="en-US" sz="2000" dirty="0"/>
           </a:p>
           <a:p>
             <a:pPr algn="just">
@@ -18071,18 +17862,14 @@
               </a:lnSpc>
             </a:pPr>
             <a:r>
-              <a:rPr lang="en-US" sz="2000" dirty="0" smtClean="0"/>
+              <a:rPr lang="en-US" sz="2000" dirty="0"/>
               <a:t>- C</a:t>
             </a:r>
             <a:r>
-              <a:rPr lang="vi-VN" sz="2000" dirty="0" smtClean="0"/>
-              <a:t>ung </a:t>
-            </a:r>
-            <a:r>
               <a:rPr lang="vi-VN" sz="2000" dirty="0"/>
-              <a:t>cấp thao tác Crud chung trên một kho lưu trữ. </a:t>
-            </a:r>
-            <a:endParaRPr lang="en-US" sz="2000" dirty="0" smtClean="0"/>
+              <a:t>ung cấp thao tác Crud chung trên một kho lưu trữ. </a:t>
+            </a:r>
+            <a:endParaRPr lang="en-US" sz="2000" dirty="0"/>
           </a:p>
           <a:p>
             <a:pPr algn="just">
@@ -18091,16 +17878,12 @@
               </a:lnSpc>
             </a:pPr>
             <a:r>
-              <a:rPr lang="en-US" sz="2000" dirty="0" smtClean="0"/>
+              <a:rPr lang="en-US" sz="2000" dirty="0"/>
               <a:t>- </a:t>
             </a:r>
             <a:r>
-              <a:rPr lang="vi-VN" sz="2000" dirty="0" smtClean="0"/>
-              <a:t>Nếu </a:t>
-            </a:r>
-            <a:r>
               <a:rPr lang="vi-VN" sz="2000" dirty="0"/>
-              <a:t>muốn sử dụng CrudRepository trong một ứng dụng thì cần phải tạo một giao diện và mở rộng CrudRepository.</a:t>
+              <a:t>Nếu muốn sử dụng CrudRepository trong một ứng dụng thì cần phải tạo một giao diện và mở rộng CrudRepository.</a:t>
             </a:r>
             <a:endParaRPr lang="en-US" sz="2000" dirty="0"/>
           </a:p>
@@ -18116,13 +17899,6 @@
   <p:clrMapOvr>
     <a:masterClrMapping/>
   </p:clrMapOvr>
-  <p:timing>
-    <p:tnLst>
-      <p:par>
-        <p:cTn id="1" dur="indefinite" restart="never" nodeType="tmRoot"/>
-      </p:par>
-    </p:tnLst>
-  </p:timing>
 </p:sld>
 </file>
 
